--- a/App流程图和界面.pptx
+++ b/App流程图和界面.pptx
@@ -12,6 +12,9 @@
     <p:sldId id="260" r:id="rId6"/>
     <p:sldId id="259" r:id="rId7"/>
     <p:sldId id="262" r:id="rId8"/>
+    <p:sldId id="264" r:id="rId9"/>
+    <p:sldId id="265" r:id="rId10"/>
+    <p:sldId id="263" r:id="rId11"/>
   </p:sldIdLst>
   <p:sldSz cx="9144000" cy="6858000" type="screen4x3"/>
   <p:notesSz cx="6858000" cy="9144000"/>
@@ -295,7 +298,7 @@
             <a:fld id="{530820CF-B880-4189-942D-D702A7CBA730}" type="datetimeFigureOut">
               <a:rPr lang="zh-CN" altLang="en-US" smtClean="0"/>
               <a:pPr/>
-              <a:t>2017/11/13 Monday</a:t>
+              <a:t>2017/11/15 Wednesday</a:t>
             </a:fld>
             <a:endParaRPr lang="zh-CN" altLang="en-US"/>
           </a:p>
@@ -462,7 +465,7 @@
             <a:fld id="{530820CF-B880-4189-942D-D702A7CBA730}" type="datetimeFigureOut">
               <a:rPr lang="zh-CN" altLang="en-US" smtClean="0"/>
               <a:pPr/>
-              <a:t>2017/11/13 Monday</a:t>
+              <a:t>2017/11/15 Wednesday</a:t>
             </a:fld>
             <a:endParaRPr lang="zh-CN" altLang="en-US"/>
           </a:p>
@@ -639,7 +642,7 @@
             <a:fld id="{530820CF-B880-4189-942D-D702A7CBA730}" type="datetimeFigureOut">
               <a:rPr lang="zh-CN" altLang="en-US" smtClean="0"/>
               <a:pPr/>
-              <a:t>2017/11/13 Monday</a:t>
+              <a:t>2017/11/15 Wednesday</a:t>
             </a:fld>
             <a:endParaRPr lang="zh-CN" altLang="en-US"/>
           </a:p>
@@ -806,7 +809,7 @@
             <a:fld id="{530820CF-B880-4189-942D-D702A7CBA730}" type="datetimeFigureOut">
               <a:rPr lang="zh-CN" altLang="en-US" smtClean="0"/>
               <a:pPr/>
-              <a:t>2017/11/13 Monday</a:t>
+              <a:t>2017/11/15 Wednesday</a:t>
             </a:fld>
             <a:endParaRPr lang="zh-CN" altLang="en-US"/>
           </a:p>
@@ -1049,7 +1052,7 @@
             <a:fld id="{530820CF-B880-4189-942D-D702A7CBA730}" type="datetimeFigureOut">
               <a:rPr lang="zh-CN" altLang="en-US" smtClean="0"/>
               <a:pPr/>
-              <a:t>2017/11/13 Monday</a:t>
+              <a:t>2017/11/15 Wednesday</a:t>
             </a:fld>
             <a:endParaRPr lang="zh-CN" altLang="en-US"/>
           </a:p>
@@ -1334,7 +1337,7 @@
             <a:fld id="{530820CF-B880-4189-942D-D702A7CBA730}" type="datetimeFigureOut">
               <a:rPr lang="zh-CN" altLang="en-US" smtClean="0"/>
               <a:pPr/>
-              <a:t>2017/11/13 Monday</a:t>
+              <a:t>2017/11/15 Wednesday</a:t>
             </a:fld>
             <a:endParaRPr lang="zh-CN" altLang="en-US"/>
           </a:p>
@@ -1753,7 +1756,7 @@
             <a:fld id="{530820CF-B880-4189-942D-D702A7CBA730}" type="datetimeFigureOut">
               <a:rPr lang="zh-CN" altLang="en-US" smtClean="0"/>
               <a:pPr/>
-              <a:t>2017/11/13 Monday</a:t>
+              <a:t>2017/11/15 Wednesday</a:t>
             </a:fld>
             <a:endParaRPr lang="zh-CN" altLang="en-US"/>
           </a:p>
@@ -1868,7 +1871,7 @@
             <a:fld id="{530820CF-B880-4189-942D-D702A7CBA730}" type="datetimeFigureOut">
               <a:rPr lang="zh-CN" altLang="en-US" smtClean="0"/>
               <a:pPr/>
-              <a:t>2017/11/13 Monday</a:t>
+              <a:t>2017/11/15 Wednesday</a:t>
             </a:fld>
             <a:endParaRPr lang="zh-CN" altLang="en-US"/>
           </a:p>
@@ -1960,7 +1963,7 @@
             <a:fld id="{530820CF-B880-4189-942D-D702A7CBA730}" type="datetimeFigureOut">
               <a:rPr lang="zh-CN" altLang="en-US" smtClean="0"/>
               <a:pPr/>
-              <a:t>2017/11/13 Monday</a:t>
+              <a:t>2017/11/15 Wednesday</a:t>
             </a:fld>
             <a:endParaRPr lang="zh-CN" altLang="en-US"/>
           </a:p>
@@ -2234,7 +2237,7 @@
             <a:fld id="{530820CF-B880-4189-942D-D702A7CBA730}" type="datetimeFigureOut">
               <a:rPr lang="zh-CN" altLang="en-US" smtClean="0"/>
               <a:pPr/>
-              <a:t>2017/11/13 Monday</a:t>
+              <a:t>2017/11/15 Wednesday</a:t>
             </a:fld>
             <a:endParaRPr lang="zh-CN" altLang="en-US"/>
           </a:p>
@@ -2484,7 +2487,7 @@
             <a:fld id="{530820CF-B880-4189-942D-D702A7CBA730}" type="datetimeFigureOut">
               <a:rPr lang="zh-CN" altLang="en-US" smtClean="0"/>
               <a:pPr/>
-              <a:t>2017/11/13 Monday</a:t>
+              <a:t>2017/11/15 Wednesday</a:t>
             </a:fld>
             <a:endParaRPr lang="zh-CN" altLang="en-US"/>
           </a:p>
@@ -2694,7 +2697,7 @@
             <a:fld id="{530820CF-B880-4189-942D-D702A7CBA730}" type="datetimeFigureOut">
               <a:rPr lang="zh-CN" altLang="en-US" smtClean="0"/>
               <a:pPr/>
-              <a:t>2017/11/13 Monday</a:t>
+              <a:t>2017/11/15 Wednesday</a:t>
             </a:fld>
             <a:endParaRPr lang="zh-CN" altLang="en-US"/>
           </a:p>
@@ -3846,6 +3849,779 @@
 </p:sld>
 </file>
 
+<file path=ppt/slides/slide10.xml><?xml version="1.0" encoding="utf-8"?>
+<p:sld xmlns:a="http://schemas.openxmlformats.org/drawingml/2006/main" xmlns:r="http://schemas.openxmlformats.org/officeDocument/2006/relationships" xmlns:p="http://schemas.openxmlformats.org/presentationml/2006/main">
+  <p:cSld>
+    <p:spTree>
+      <p:nvGrpSpPr>
+        <p:cNvPr id="1" name=""/>
+        <p:cNvGrpSpPr/>
+        <p:nvPr/>
+      </p:nvGrpSpPr>
+      <p:grpSpPr>
+        <a:xfrm>
+          <a:off x="0" y="0"/>
+          <a:ext cx="0" cy="0"/>
+          <a:chOff x="0" y="0"/>
+          <a:chExt cx="0" cy="0"/>
+        </a:xfrm>
+      </p:grpSpPr>
+      <p:sp>
+        <p:nvSpPr>
+          <p:cNvPr id="6" name="圆角矩形 5"/>
+          <p:cNvSpPr/>
+          <p:nvPr/>
+        </p:nvSpPr>
+        <p:spPr>
+          <a:xfrm>
+            <a:off x="4932040" y="188640"/>
+            <a:ext cx="1656184" cy="576064"/>
+          </a:xfrm>
+          <a:prstGeom prst="roundRect">
+            <a:avLst/>
+          </a:prstGeom>
+          <a:effectLst>
+            <a:outerShdw blurRad="50800" dist="38100" dir="2700000" algn="tl" rotWithShape="0">
+              <a:prstClr val="black">
+                <a:alpha val="40000"/>
+              </a:prstClr>
+            </a:outerShdw>
+          </a:effectLst>
+        </p:spPr>
+        <p:style>
+          <a:lnRef idx="2">
+            <a:schemeClr val="dk1"/>
+          </a:lnRef>
+          <a:fillRef idx="1">
+            <a:schemeClr val="lt1"/>
+          </a:fillRef>
+          <a:effectRef idx="0">
+            <a:schemeClr val="dk1"/>
+          </a:effectRef>
+          <a:fontRef idx="minor">
+            <a:schemeClr val="dk1"/>
+          </a:fontRef>
+        </p:style>
+        <p:txBody>
+          <a:bodyPr rtlCol="0" anchor="ctr"/>
+          <a:lstStyle/>
+          <a:p>
+            <a:pPr algn="ctr"/>
+            <a:r>
+              <a:rPr lang="zh-CN" altLang="en-US" smtClean="0">
+                <a:latin typeface="黑体" pitchFamily="49" charset="-122"/>
+                <a:ea typeface="黑体" pitchFamily="49" charset="-122"/>
+              </a:rPr>
+              <a:t>数据库设计</a:t>
+            </a:r>
+            <a:endParaRPr lang="zh-CN" altLang="en-US">
+              <a:latin typeface="黑体" pitchFamily="49" charset="-122"/>
+              <a:ea typeface="黑体" pitchFamily="49" charset="-122"/>
+            </a:endParaRPr>
+          </a:p>
+        </p:txBody>
+      </p:sp>
+      <p:sp>
+        <p:nvSpPr>
+          <p:cNvPr id="4" name="矩形 3"/>
+          <p:cNvSpPr/>
+          <p:nvPr/>
+        </p:nvSpPr>
+        <p:spPr>
+          <a:xfrm>
+            <a:off x="755576" y="476672"/>
+            <a:ext cx="3528392" cy="6192688"/>
+          </a:xfrm>
+          <a:prstGeom prst="rect">
+            <a:avLst/>
+          </a:prstGeom>
+        </p:spPr>
+        <p:style>
+          <a:lnRef idx="2">
+            <a:schemeClr val="dk1"/>
+          </a:lnRef>
+          <a:fillRef idx="1">
+            <a:schemeClr val="lt1"/>
+          </a:fillRef>
+          <a:effectRef idx="0">
+            <a:schemeClr val="dk1"/>
+          </a:effectRef>
+          <a:fontRef idx="minor">
+            <a:schemeClr val="dk1"/>
+          </a:fontRef>
+        </p:style>
+        <p:txBody>
+          <a:bodyPr rtlCol="0" anchor="ctr"/>
+          <a:lstStyle/>
+          <a:p>
+            <a:pPr algn="ctr"/>
+            <a:endParaRPr lang="zh-CN" altLang="en-US"/>
+          </a:p>
+        </p:txBody>
+      </p:sp>
+      <p:sp>
+        <p:nvSpPr>
+          <p:cNvPr id="8" name="圆角矩形 7"/>
+          <p:cNvSpPr/>
+          <p:nvPr/>
+        </p:nvSpPr>
+        <p:spPr>
+          <a:xfrm>
+            <a:off x="899592" y="2564904"/>
+            <a:ext cx="1656184" cy="604165"/>
+          </a:xfrm>
+          <a:prstGeom prst="roundRect">
+            <a:avLst/>
+          </a:prstGeom>
+          <a:effectLst>
+            <a:outerShdw blurRad="50800" dist="38100" dir="2700000" algn="tl" rotWithShape="0">
+              <a:prstClr val="black">
+                <a:alpha val="40000"/>
+              </a:prstClr>
+            </a:outerShdw>
+          </a:effectLst>
+        </p:spPr>
+        <p:style>
+          <a:lnRef idx="2">
+            <a:schemeClr val="dk1"/>
+          </a:lnRef>
+          <a:fillRef idx="1">
+            <a:schemeClr val="lt1"/>
+          </a:fillRef>
+          <a:effectRef idx="0">
+            <a:schemeClr val="dk1"/>
+          </a:effectRef>
+          <a:fontRef idx="minor">
+            <a:schemeClr val="dk1"/>
+          </a:fontRef>
+        </p:style>
+        <p:txBody>
+          <a:bodyPr rtlCol="0" anchor="ctr"/>
+          <a:lstStyle/>
+          <a:p>
+            <a:pPr algn="ctr"/>
+            <a:r>
+              <a:rPr lang="en-US" altLang="zh-CN" smtClean="0">
+                <a:latin typeface="黑体" pitchFamily="49" charset="-122"/>
+                <a:ea typeface="黑体" pitchFamily="49" charset="-122"/>
+              </a:rPr>
+              <a:t>password:varchar</a:t>
+            </a:r>
+            <a:endParaRPr lang="zh-CN" altLang="en-US">
+              <a:latin typeface="黑体" pitchFamily="49" charset="-122"/>
+              <a:ea typeface="黑体" pitchFamily="49" charset="-122"/>
+            </a:endParaRPr>
+          </a:p>
+        </p:txBody>
+      </p:sp>
+      <p:sp>
+        <p:nvSpPr>
+          <p:cNvPr id="9" name="圆角矩形 8"/>
+          <p:cNvSpPr/>
+          <p:nvPr/>
+        </p:nvSpPr>
+        <p:spPr>
+          <a:xfrm>
+            <a:off x="899592" y="3400899"/>
+            <a:ext cx="1656184" cy="604165"/>
+          </a:xfrm>
+          <a:prstGeom prst="roundRect">
+            <a:avLst/>
+          </a:prstGeom>
+          <a:effectLst>
+            <a:outerShdw blurRad="50800" dist="38100" dir="2700000" algn="tl" rotWithShape="0">
+              <a:prstClr val="black">
+                <a:alpha val="40000"/>
+              </a:prstClr>
+            </a:outerShdw>
+          </a:effectLst>
+        </p:spPr>
+        <p:style>
+          <a:lnRef idx="2">
+            <a:schemeClr val="dk1"/>
+          </a:lnRef>
+          <a:fillRef idx="1">
+            <a:schemeClr val="lt1"/>
+          </a:fillRef>
+          <a:effectRef idx="0">
+            <a:schemeClr val="dk1"/>
+          </a:effectRef>
+          <a:fontRef idx="minor">
+            <a:schemeClr val="dk1"/>
+          </a:fontRef>
+        </p:style>
+        <p:txBody>
+          <a:bodyPr rtlCol="0" anchor="ctr"/>
+          <a:lstStyle/>
+          <a:p>
+            <a:pPr algn="ctr"/>
+            <a:r>
+              <a:rPr lang="en-US" altLang="zh-CN" smtClean="0">
+                <a:latin typeface="黑体" pitchFamily="49" charset="-122"/>
+                <a:ea typeface="黑体" pitchFamily="49" charset="-122"/>
+              </a:rPr>
+              <a:t>phone:char(11)</a:t>
+            </a:r>
+            <a:endParaRPr lang="zh-CN" altLang="en-US">
+              <a:latin typeface="黑体" pitchFamily="49" charset="-122"/>
+              <a:ea typeface="黑体" pitchFamily="49" charset="-122"/>
+            </a:endParaRPr>
+          </a:p>
+        </p:txBody>
+      </p:sp>
+      <p:sp>
+        <p:nvSpPr>
+          <p:cNvPr id="10" name="圆角矩形 9"/>
+          <p:cNvSpPr/>
+          <p:nvPr/>
+        </p:nvSpPr>
+        <p:spPr>
+          <a:xfrm>
+            <a:off x="899592" y="5057083"/>
+            <a:ext cx="1656184" cy="604165"/>
+          </a:xfrm>
+          <a:prstGeom prst="roundRect">
+            <a:avLst/>
+          </a:prstGeom>
+          <a:effectLst>
+            <a:outerShdw blurRad="50800" dist="38100" dir="2700000" algn="tl" rotWithShape="0">
+              <a:prstClr val="black">
+                <a:alpha val="40000"/>
+              </a:prstClr>
+            </a:outerShdw>
+          </a:effectLst>
+        </p:spPr>
+        <p:style>
+          <a:lnRef idx="2">
+            <a:schemeClr val="dk1"/>
+          </a:lnRef>
+          <a:fillRef idx="1">
+            <a:schemeClr val="lt1"/>
+          </a:fillRef>
+          <a:effectRef idx="0">
+            <a:schemeClr val="dk1"/>
+          </a:effectRef>
+          <a:fontRef idx="minor">
+            <a:schemeClr val="dk1"/>
+          </a:fontRef>
+        </p:style>
+        <p:txBody>
+          <a:bodyPr rtlCol="0" anchor="ctr"/>
+          <a:lstStyle/>
+          <a:p>
+            <a:pPr algn="ctr"/>
+            <a:r>
+              <a:rPr lang="en-US" altLang="zh-CN" smtClean="0">
+                <a:latin typeface="黑体" pitchFamily="49" charset="-122"/>
+                <a:ea typeface="黑体" pitchFamily="49" charset="-122"/>
+              </a:rPr>
+              <a:t>address:varchar</a:t>
+            </a:r>
+            <a:endParaRPr lang="zh-CN" altLang="en-US">
+              <a:latin typeface="黑体" pitchFamily="49" charset="-122"/>
+              <a:ea typeface="黑体" pitchFamily="49" charset="-122"/>
+            </a:endParaRPr>
+          </a:p>
+        </p:txBody>
+      </p:sp>
+      <p:sp>
+        <p:nvSpPr>
+          <p:cNvPr id="11" name="圆角矩形 10"/>
+          <p:cNvSpPr/>
+          <p:nvPr/>
+        </p:nvSpPr>
+        <p:spPr>
+          <a:xfrm>
+            <a:off x="899592" y="4221088"/>
+            <a:ext cx="1656184" cy="604165"/>
+          </a:xfrm>
+          <a:prstGeom prst="roundRect">
+            <a:avLst/>
+          </a:prstGeom>
+          <a:effectLst>
+            <a:outerShdw blurRad="50800" dist="38100" dir="2700000" algn="tl" rotWithShape="0">
+              <a:prstClr val="black">
+                <a:alpha val="40000"/>
+              </a:prstClr>
+            </a:outerShdw>
+          </a:effectLst>
+        </p:spPr>
+        <p:style>
+          <a:lnRef idx="2">
+            <a:schemeClr val="dk1"/>
+          </a:lnRef>
+          <a:fillRef idx="1">
+            <a:schemeClr val="lt1"/>
+          </a:fillRef>
+          <a:effectRef idx="0">
+            <a:schemeClr val="dk1"/>
+          </a:effectRef>
+          <a:fontRef idx="minor">
+            <a:schemeClr val="dk1"/>
+          </a:fontRef>
+        </p:style>
+        <p:txBody>
+          <a:bodyPr rtlCol="0" anchor="ctr"/>
+          <a:lstStyle/>
+          <a:p>
+            <a:pPr algn="ctr"/>
+            <a:r>
+              <a:rPr lang="en-US" altLang="zh-CN" smtClean="0">
+                <a:latin typeface="黑体" pitchFamily="49" charset="-122"/>
+                <a:ea typeface="黑体" pitchFamily="49" charset="-122"/>
+              </a:rPr>
+              <a:t>email:varchar</a:t>
+            </a:r>
+            <a:endParaRPr lang="zh-CN" altLang="en-US">
+              <a:latin typeface="黑体" pitchFamily="49" charset="-122"/>
+              <a:ea typeface="黑体" pitchFamily="49" charset="-122"/>
+            </a:endParaRPr>
+          </a:p>
+        </p:txBody>
+      </p:sp>
+      <p:sp>
+        <p:nvSpPr>
+          <p:cNvPr id="12" name="圆角矩形 11"/>
+          <p:cNvSpPr/>
+          <p:nvPr/>
+        </p:nvSpPr>
+        <p:spPr>
+          <a:xfrm>
+            <a:off x="1691680" y="620687"/>
+            <a:ext cx="1656184" cy="604165"/>
+          </a:xfrm>
+          <a:prstGeom prst="roundRect">
+            <a:avLst/>
+          </a:prstGeom>
+          <a:effectLst>
+            <a:outerShdw blurRad="50800" dist="38100" dir="2700000" algn="tl" rotWithShape="0">
+              <a:prstClr val="black">
+                <a:alpha val="40000"/>
+              </a:prstClr>
+            </a:outerShdw>
+          </a:effectLst>
+        </p:spPr>
+        <p:style>
+          <a:lnRef idx="2">
+            <a:schemeClr val="dk1"/>
+          </a:lnRef>
+          <a:fillRef idx="1">
+            <a:schemeClr val="lt1"/>
+          </a:fillRef>
+          <a:effectRef idx="0">
+            <a:schemeClr val="dk1"/>
+          </a:effectRef>
+          <a:fontRef idx="minor">
+            <a:schemeClr val="dk1"/>
+          </a:fontRef>
+        </p:style>
+        <p:txBody>
+          <a:bodyPr rtlCol="0" anchor="ctr"/>
+          <a:lstStyle/>
+          <a:p>
+            <a:pPr algn="ctr"/>
+            <a:r>
+              <a:rPr lang="en-US" altLang="zh-CN" smtClean="0">
+                <a:latin typeface="黑体" pitchFamily="49" charset="-122"/>
+                <a:ea typeface="黑体" pitchFamily="49" charset="-122"/>
+              </a:rPr>
+              <a:t>regist_info</a:t>
+            </a:r>
+            <a:endParaRPr lang="zh-CN" altLang="en-US">
+              <a:latin typeface="黑体" pitchFamily="49" charset="-122"/>
+              <a:ea typeface="黑体" pitchFamily="49" charset="-122"/>
+            </a:endParaRPr>
+          </a:p>
+        </p:txBody>
+      </p:sp>
+      <p:sp>
+        <p:nvSpPr>
+          <p:cNvPr id="15" name="矩形 14"/>
+          <p:cNvSpPr/>
+          <p:nvPr/>
+        </p:nvSpPr>
+        <p:spPr>
+          <a:xfrm>
+            <a:off x="4932040" y="953344"/>
+            <a:ext cx="3528392" cy="5716016"/>
+          </a:xfrm>
+          <a:prstGeom prst="rect">
+            <a:avLst/>
+          </a:prstGeom>
+        </p:spPr>
+        <p:style>
+          <a:lnRef idx="2">
+            <a:schemeClr val="dk1"/>
+          </a:lnRef>
+          <a:fillRef idx="1">
+            <a:schemeClr val="lt1"/>
+          </a:fillRef>
+          <a:effectRef idx="0">
+            <a:schemeClr val="dk1"/>
+          </a:effectRef>
+          <a:fontRef idx="minor">
+            <a:schemeClr val="dk1"/>
+          </a:fontRef>
+        </p:style>
+        <p:txBody>
+          <a:bodyPr rtlCol="0" anchor="ctr"/>
+          <a:lstStyle/>
+          <a:p>
+            <a:pPr algn="ctr"/>
+            <a:endParaRPr lang="zh-CN" altLang="en-US"/>
+          </a:p>
+        </p:txBody>
+      </p:sp>
+      <p:sp>
+        <p:nvSpPr>
+          <p:cNvPr id="16" name="圆角矩形 15"/>
+          <p:cNvSpPr/>
+          <p:nvPr/>
+        </p:nvSpPr>
+        <p:spPr>
+          <a:xfrm>
+            <a:off x="5868144" y="2564904"/>
+            <a:ext cx="1656184" cy="576064"/>
+          </a:xfrm>
+          <a:prstGeom prst="roundRect">
+            <a:avLst/>
+          </a:prstGeom>
+          <a:effectLst>
+            <a:outerShdw blurRad="50800" dist="38100" dir="2700000" algn="tl" rotWithShape="0">
+              <a:prstClr val="black">
+                <a:alpha val="40000"/>
+              </a:prstClr>
+            </a:outerShdw>
+          </a:effectLst>
+        </p:spPr>
+        <p:style>
+          <a:lnRef idx="2">
+            <a:schemeClr val="dk1"/>
+          </a:lnRef>
+          <a:fillRef idx="1">
+            <a:schemeClr val="lt1"/>
+          </a:fillRef>
+          <a:effectRef idx="0">
+            <a:schemeClr val="dk1"/>
+          </a:effectRef>
+          <a:fontRef idx="minor">
+            <a:schemeClr val="dk1"/>
+          </a:fontRef>
+        </p:style>
+        <p:txBody>
+          <a:bodyPr rtlCol="0" anchor="ctr"/>
+          <a:lstStyle/>
+          <a:p>
+            <a:pPr algn="ctr"/>
+            <a:r>
+              <a:rPr lang="zh-CN" altLang="en-US" smtClean="0">
+                <a:latin typeface="黑体" pitchFamily="49" charset="-122"/>
+                <a:ea typeface="黑体" pitchFamily="49" charset="-122"/>
+              </a:rPr>
+              <a:t>手机号</a:t>
+            </a:r>
+            <a:r>
+              <a:rPr lang="en-US" altLang="zh-CN" smtClean="0">
+                <a:latin typeface="黑体" pitchFamily="49" charset="-122"/>
+                <a:ea typeface="黑体" pitchFamily="49" charset="-122"/>
+              </a:rPr>
+              <a:t>MD5</a:t>
+            </a:r>
+            <a:r>
+              <a:rPr lang="zh-CN" altLang="en-US" smtClean="0">
+                <a:latin typeface="黑体" pitchFamily="49" charset="-122"/>
+                <a:ea typeface="黑体" pitchFamily="49" charset="-122"/>
+              </a:rPr>
+              <a:t>码</a:t>
+            </a:r>
+            <a:r>
+              <a:rPr lang="en-US" altLang="zh-CN" smtClean="0">
+                <a:latin typeface="黑体" pitchFamily="49" charset="-122"/>
+                <a:ea typeface="黑体" pitchFamily="49" charset="-122"/>
+              </a:rPr>
+              <a:t>:char(11)</a:t>
+            </a:r>
+            <a:endParaRPr lang="zh-CN" altLang="en-US">
+              <a:latin typeface="黑体" pitchFamily="49" charset="-122"/>
+              <a:ea typeface="黑体" pitchFamily="49" charset="-122"/>
+            </a:endParaRPr>
+          </a:p>
+        </p:txBody>
+      </p:sp>
+      <p:sp>
+        <p:nvSpPr>
+          <p:cNvPr id="17" name="圆角矩形 16"/>
+          <p:cNvSpPr/>
+          <p:nvPr/>
+        </p:nvSpPr>
+        <p:spPr>
+          <a:xfrm>
+            <a:off x="5868144" y="4293096"/>
+            <a:ext cx="1656184" cy="576064"/>
+          </a:xfrm>
+          <a:prstGeom prst="roundRect">
+            <a:avLst/>
+          </a:prstGeom>
+          <a:effectLst>
+            <a:outerShdw blurRad="50800" dist="38100" dir="2700000" algn="tl" rotWithShape="0">
+              <a:prstClr val="black">
+                <a:alpha val="40000"/>
+              </a:prstClr>
+            </a:outerShdw>
+          </a:effectLst>
+        </p:spPr>
+        <p:style>
+          <a:lnRef idx="2">
+            <a:schemeClr val="dk1"/>
+          </a:lnRef>
+          <a:fillRef idx="1">
+            <a:schemeClr val="lt1"/>
+          </a:fillRef>
+          <a:effectRef idx="0">
+            <a:schemeClr val="dk1"/>
+          </a:effectRef>
+          <a:fontRef idx="minor">
+            <a:schemeClr val="dk1"/>
+          </a:fontRef>
+        </p:style>
+        <p:txBody>
+          <a:bodyPr rtlCol="0" anchor="ctr"/>
+          <a:lstStyle/>
+          <a:p>
+            <a:pPr algn="ctr"/>
+            <a:r>
+              <a:rPr lang="zh-CN" altLang="en-US" smtClean="0">
+                <a:latin typeface="黑体" pitchFamily="49" charset="-122"/>
+                <a:ea typeface="黑体" pitchFamily="49" charset="-122"/>
+              </a:rPr>
+              <a:t>验证码</a:t>
+            </a:r>
+            <a:r>
+              <a:rPr lang="en-US" altLang="zh-CN" smtClean="0">
+                <a:latin typeface="黑体" pitchFamily="49" charset="-122"/>
+                <a:ea typeface="黑体" pitchFamily="49" charset="-122"/>
+              </a:rPr>
+              <a:t>:char(6)</a:t>
+            </a:r>
+            <a:endParaRPr lang="zh-CN" altLang="en-US">
+              <a:latin typeface="黑体" pitchFamily="49" charset="-122"/>
+              <a:ea typeface="黑体" pitchFamily="49" charset="-122"/>
+            </a:endParaRPr>
+          </a:p>
+        </p:txBody>
+      </p:sp>
+      <p:sp>
+        <p:nvSpPr>
+          <p:cNvPr id="21" name="圆角矩形 20"/>
+          <p:cNvSpPr/>
+          <p:nvPr/>
+        </p:nvSpPr>
+        <p:spPr>
+          <a:xfrm>
+            <a:off x="5868144" y="1097360"/>
+            <a:ext cx="1656184" cy="576064"/>
+          </a:xfrm>
+          <a:prstGeom prst="roundRect">
+            <a:avLst/>
+          </a:prstGeom>
+          <a:effectLst>
+            <a:outerShdw blurRad="50800" dist="38100" dir="2700000" algn="tl" rotWithShape="0">
+              <a:prstClr val="black">
+                <a:alpha val="40000"/>
+              </a:prstClr>
+            </a:outerShdw>
+          </a:effectLst>
+        </p:spPr>
+        <p:style>
+          <a:lnRef idx="2">
+            <a:schemeClr val="dk1"/>
+          </a:lnRef>
+          <a:fillRef idx="1">
+            <a:schemeClr val="lt1"/>
+          </a:fillRef>
+          <a:effectRef idx="0">
+            <a:schemeClr val="dk1"/>
+          </a:effectRef>
+          <a:fontRef idx="minor">
+            <a:schemeClr val="dk1"/>
+          </a:fontRef>
+        </p:style>
+        <p:txBody>
+          <a:bodyPr rtlCol="0" anchor="ctr"/>
+          <a:lstStyle/>
+          <a:p>
+            <a:pPr algn="ctr"/>
+            <a:r>
+              <a:rPr lang="en-US" altLang="zh-CN" smtClean="0">
+                <a:latin typeface="黑体" pitchFamily="49" charset="-122"/>
+                <a:ea typeface="黑体" pitchFamily="49" charset="-122"/>
+              </a:rPr>
+              <a:t>users</a:t>
+            </a:r>
+            <a:endParaRPr lang="zh-CN" altLang="en-US">
+              <a:latin typeface="黑体" pitchFamily="49" charset="-122"/>
+              <a:ea typeface="黑体" pitchFamily="49" charset="-122"/>
+            </a:endParaRPr>
+          </a:p>
+        </p:txBody>
+      </p:sp>
+      <p:sp>
+        <p:nvSpPr>
+          <p:cNvPr id="30" name="矩形 29"/>
+          <p:cNvSpPr/>
+          <p:nvPr/>
+        </p:nvSpPr>
+        <p:spPr>
+          <a:xfrm>
+            <a:off x="467544" y="0"/>
+            <a:ext cx="8424936" cy="6858000"/>
+          </a:xfrm>
+          <a:prstGeom prst="rect">
+            <a:avLst/>
+          </a:prstGeom>
+          <a:noFill/>
+        </p:spPr>
+        <p:style>
+          <a:lnRef idx="2">
+            <a:schemeClr val="dk1"/>
+          </a:lnRef>
+          <a:fillRef idx="1">
+            <a:schemeClr val="lt1"/>
+          </a:fillRef>
+          <a:effectRef idx="0">
+            <a:schemeClr val="dk1"/>
+          </a:effectRef>
+          <a:fontRef idx="minor">
+            <a:schemeClr val="dk1"/>
+          </a:fontRef>
+        </p:style>
+        <p:txBody>
+          <a:bodyPr rtlCol="0" anchor="ctr"/>
+          <a:lstStyle/>
+          <a:p>
+            <a:pPr algn="ctr"/>
+            <a:endParaRPr lang="zh-CN" altLang="en-US"/>
+          </a:p>
+        </p:txBody>
+      </p:sp>
+      <p:sp>
+        <p:nvSpPr>
+          <p:cNvPr id="7" name="圆角矩形 6"/>
+          <p:cNvSpPr/>
+          <p:nvPr/>
+        </p:nvSpPr>
+        <p:spPr>
+          <a:xfrm>
+            <a:off x="2411760" y="1628800"/>
+            <a:ext cx="1656184" cy="604165"/>
+          </a:xfrm>
+          <a:prstGeom prst="roundRect">
+            <a:avLst/>
+          </a:prstGeom>
+          <a:effectLst>
+            <a:outerShdw blurRad="50800" dist="38100" dir="2700000" algn="tl" rotWithShape="0">
+              <a:prstClr val="black">
+                <a:alpha val="40000"/>
+              </a:prstClr>
+            </a:outerShdw>
+          </a:effectLst>
+        </p:spPr>
+        <p:style>
+          <a:lnRef idx="2">
+            <a:schemeClr val="dk1"/>
+          </a:lnRef>
+          <a:fillRef idx="1">
+            <a:schemeClr val="lt1"/>
+          </a:fillRef>
+          <a:effectRef idx="0">
+            <a:schemeClr val="dk1"/>
+          </a:effectRef>
+          <a:fontRef idx="minor">
+            <a:schemeClr val="dk1"/>
+          </a:fontRef>
+        </p:style>
+        <p:txBody>
+          <a:bodyPr rtlCol="0" anchor="ctr"/>
+          <a:lstStyle/>
+          <a:p>
+            <a:pPr algn="ctr"/>
+            <a:r>
+              <a:rPr lang="en-US" altLang="zh-CN" smtClean="0">
+                <a:latin typeface="黑体" pitchFamily="49" charset="-122"/>
+                <a:ea typeface="黑体" pitchFamily="49" charset="-122"/>
+              </a:rPr>
+              <a:t>username:varchar</a:t>
+            </a:r>
+            <a:endParaRPr lang="zh-CN" altLang="en-US">
+              <a:latin typeface="黑体" pitchFamily="49" charset="-122"/>
+              <a:ea typeface="黑体" pitchFamily="49" charset="-122"/>
+            </a:endParaRPr>
+          </a:p>
+        </p:txBody>
+      </p:sp>
+      <p:sp>
+        <p:nvSpPr>
+          <p:cNvPr id="18" name="圆角矩形 17"/>
+          <p:cNvSpPr/>
+          <p:nvPr/>
+        </p:nvSpPr>
+        <p:spPr>
+          <a:xfrm>
+            <a:off x="827584" y="1412776"/>
+            <a:ext cx="3312368" cy="1008112"/>
+          </a:xfrm>
+          <a:prstGeom prst="roundRect">
+            <a:avLst/>
+          </a:prstGeom>
+          <a:noFill/>
+          <a:effectLst>
+            <a:outerShdw blurRad="50800" dist="38100" dir="2700000" algn="tl" rotWithShape="0">
+              <a:prstClr val="black">
+                <a:alpha val="40000"/>
+              </a:prstClr>
+            </a:outerShdw>
+          </a:effectLst>
+        </p:spPr>
+        <p:style>
+          <a:lnRef idx="2">
+            <a:schemeClr val="dk1"/>
+          </a:lnRef>
+          <a:fillRef idx="1">
+            <a:schemeClr val="lt1"/>
+          </a:fillRef>
+          <a:effectRef idx="0">
+            <a:schemeClr val="dk1"/>
+          </a:effectRef>
+          <a:fontRef idx="minor">
+            <a:schemeClr val="dk1"/>
+          </a:fontRef>
+        </p:style>
+        <p:txBody>
+          <a:bodyPr rtlCol="0" anchor="ctr"/>
+          <a:lstStyle/>
+          <a:p>
+            <a:r>
+              <a:rPr lang="en-US" altLang="zh-CN" smtClean="0">
+                <a:latin typeface="黑体" pitchFamily="49" charset="-122"/>
+                <a:ea typeface="黑体" pitchFamily="49" charset="-122"/>
+              </a:rPr>
+              <a:t>primary key</a:t>
+            </a:r>
+            <a:endParaRPr lang="zh-CN" altLang="en-US">
+              <a:latin typeface="黑体" pitchFamily="49" charset="-122"/>
+              <a:ea typeface="黑体" pitchFamily="49" charset="-122"/>
+            </a:endParaRPr>
+          </a:p>
+        </p:txBody>
+      </p:sp>
+    </p:spTree>
+  </p:cSld>
+  <p:clrMapOvr>
+    <a:masterClrMapping/>
+  </p:clrMapOvr>
+</p:sld>
+</file>
+
 <file path=ppt/slides/slide2.xml><?xml version="1.0" encoding="utf-8"?>
 <p:sld xmlns:a="http://schemas.openxmlformats.org/drawingml/2006/main" xmlns:r="http://schemas.openxmlformats.org/officeDocument/2006/relationships" xmlns:p="http://schemas.openxmlformats.org/presentationml/2006/main">
   <p:cSld>
@@ -9397,14 +10173,53 @@
       </p:grpSpPr>
       <p:sp>
         <p:nvSpPr>
-          <p:cNvPr id="6" name="圆角矩形 5"/>
+          <p:cNvPr id="15" name="矩形 14"/>
           <p:cNvSpPr/>
           <p:nvPr/>
         </p:nvSpPr>
         <p:spPr>
           <a:xfrm>
-            <a:off x="4932040" y="188640"/>
-            <a:ext cx="1656184" cy="576064"/>
+            <a:off x="827584" y="260648"/>
+            <a:ext cx="7488832" cy="6364088"/>
+          </a:xfrm>
+          <a:prstGeom prst="rect">
+            <a:avLst/>
+          </a:prstGeom>
+          <a:noFill/>
+        </p:spPr>
+        <p:style>
+          <a:lnRef idx="2">
+            <a:schemeClr val="dk1"/>
+          </a:lnRef>
+          <a:fillRef idx="1">
+            <a:schemeClr val="lt1"/>
+          </a:fillRef>
+          <a:effectRef idx="0">
+            <a:schemeClr val="dk1"/>
+          </a:effectRef>
+          <a:fontRef idx="minor">
+            <a:schemeClr val="dk1"/>
+          </a:fontRef>
+        </p:style>
+        <p:txBody>
+          <a:bodyPr rtlCol="0" anchor="ctr"/>
+          <a:lstStyle/>
+          <a:p>
+            <a:pPr algn="ctr"/>
+            <a:endParaRPr lang="zh-CN" altLang="en-US"/>
+          </a:p>
+        </p:txBody>
+      </p:sp>
+      <p:sp>
+        <p:nvSpPr>
+          <p:cNvPr id="16" name="圆角矩形 15"/>
+          <p:cNvSpPr/>
+          <p:nvPr/>
+        </p:nvSpPr>
+        <p:spPr>
+          <a:xfrm>
+            <a:off x="1115616" y="5445224"/>
+            <a:ext cx="1656184" cy="936104"/>
           </a:xfrm>
           <a:prstGeom prst="roundRect">
             <a:avLst/>
@@ -9441,14 +10256,14 @@
                 <a:latin typeface="黑体" pitchFamily="49" charset="-122"/>
                 <a:ea typeface="黑体" pitchFamily="49" charset="-122"/>
               </a:rPr>
-              <a:t>数据</a:t>
-            </a:r>
-            <a:r>
-              <a:rPr lang="zh-CN" altLang="en-US" smtClean="0">
-                <a:latin typeface="黑体" pitchFamily="49" charset="-122"/>
-                <a:ea typeface="黑体" pitchFamily="49" charset="-122"/>
-              </a:rPr>
-              <a:t>库设计</a:t>
+              <a:t>客户端获得</a:t>
+            </a:r>
+            <a:r>
+              <a:rPr lang="en-US" altLang="zh-CN" smtClean="0">
+                <a:latin typeface="黑体" pitchFamily="49" charset="-122"/>
+                <a:ea typeface="黑体" pitchFamily="49" charset="-122"/>
+              </a:rPr>
+              <a:t>token</a:t>
             </a:r>
             <a:endParaRPr lang="zh-CN" altLang="en-US">
               <a:latin typeface="黑体" pitchFamily="49" charset="-122"/>
@@ -9459,52 +10274,14 @@
       </p:sp>
       <p:sp>
         <p:nvSpPr>
-          <p:cNvPr id="4" name="矩形 3"/>
+          <p:cNvPr id="17" name="圆角矩形 16"/>
           <p:cNvSpPr/>
           <p:nvPr/>
         </p:nvSpPr>
         <p:spPr>
           <a:xfrm>
-            <a:off x="755576" y="476672"/>
-            <a:ext cx="3528392" cy="6192688"/>
-          </a:xfrm>
-          <a:prstGeom prst="rect">
-            <a:avLst/>
-          </a:prstGeom>
-        </p:spPr>
-        <p:style>
-          <a:lnRef idx="2">
-            <a:schemeClr val="dk1"/>
-          </a:lnRef>
-          <a:fillRef idx="1">
-            <a:schemeClr val="lt1"/>
-          </a:fillRef>
-          <a:effectRef idx="0">
-            <a:schemeClr val="dk1"/>
-          </a:effectRef>
-          <a:fontRef idx="minor">
-            <a:schemeClr val="dk1"/>
-          </a:fontRef>
-        </p:style>
-        <p:txBody>
-          <a:bodyPr rtlCol="0" anchor="ctr"/>
-          <a:lstStyle/>
-          <a:p>
-            <a:pPr algn="ctr"/>
-            <a:endParaRPr lang="zh-CN" altLang="en-US"/>
-          </a:p>
-        </p:txBody>
-      </p:sp>
-      <p:sp>
-        <p:nvSpPr>
-          <p:cNvPr id="7" name="圆角矩形 6"/>
-          <p:cNvSpPr/>
-          <p:nvPr/>
-        </p:nvSpPr>
-        <p:spPr>
-          <a:xfrm>
-            <a:off x="899592" y="1484783"/>
-            <a:ext cx="1656184" cy="604165"/>
+            <a:off x="1115616" y="3284984"/>
+            <a:ext cx="1656184" cy="576064"/>
           </a:xfrm>
           <a:prstGeom prst="roundRect">
             <a:avLst/>
@@ -9541,21 +10318,7 @@
                 <a:latin typeface="黑体" pitchFamily="49" charset="-122"/>
                 <a:ea typeface="黑体" pitchFamily="49" charset="-122"/>
               </a:rPr>
-              <a:t>用户名</a:t>
-            </a:r>
-            <a:r>
-              <a:rPr lang="en-US" altLang="zh-CN" smtClean="0">
-                <a:latin typeface="黑体" pitchFamily="49" charset="-122"/>
-                <a:ea typeface="黑体" pitchFamily="49" charset="-122"/>
-              </a:rPr>
-              <a:t>:</a:t>
-            </a:r>
-            <a:r>
-              <a:rPr lang="en-US" altLang="zh-CN" err="1" smtClean="0">
-                <a:latin typeface="黑体" pitchFamily="49" charset="-122"/>
-                <a:ea typeface="黑体" pitchFamily="49" charset="-122"/>
-              </a:rPr>
-              <a:t>varchar</a:t>
+              <a:t>登录</a:t>
             </a:r>
             <a:endParaRPr lang="zh-CN" altLang="en-US">
               <a:latin typeface="黑体" pitchFamily="49" charset="-122"/>
@@ -9566,14 +10329,14 @@
       </p:sp>
       <p:sp>
         <p:nvSpPr>
-          <p:cNvPr id="8" name="圆角矩形 7"/>
+          <p:cNvPr id="21" name="圆角矩形 20"/>
           <p:cNvSpPr/>
           <p:nvPr/>
         </p:nvSpPr>
         <p:spPr>
           <a:xfrm>
-            <a:off x="2555776" y="1484783"/>
-            <a:ext cx="1656184" cy="604165"/>
+            <a:off x="1115616" y="4149080"/>
+            <a:ext cx="1656184" cy="936104"/>
           </a:xfrm>
           <a:prstGeom prst="roundRect">
             <a:avLst/>
@@ -9610,21 +10373,21 @@
                 <a:latin typeface="黑体" pitchFamily="49" charset="-122"/>
                 <a:ea typeface="黑体" pitchFamily="49" charset="-122"/>
               </a:rPr>
-              <a:t>密码</a:t>
+              <a:t>服务器分发</a:t>
             </a:r>
             <a:r>
               <a:rPr lang="en-US" altLang="zh-CN" smtClean="0">
                 <a:latin typeface="黑体" pitchFamily="49" charset="-122"/>
                 <a:ea typeface="黑体" pitchFamily="49" charset="-122"/>
               </a:rPr>
-              <a:t>:</a:t>
-            </a:r>
-            <a:r>
-              <a:rPr lang="en-US" altLang="zh-CN" err="1" smtClean="0">
-                <a:latin typeface="黑体" pitchFamily="49" charset="-122"/>
-                <a:ea typeface="黑体" pitchFamily="49" charset="-122"/>
-              </a:rPr>
-              <a:t>varchar</a:t>
+              <a:t>token</a:t>
+            </a:r>
+            <a:r>
+              <a:rPr lang="zh-CN" altLang="en-US" smtClean="0">
+                <a:latin typeface="黑体" pitchFamily="49" charset="-122"/>
+                <a:ea typeface="黑体" pitchFamily="49" charset="-122"/>
+              </a:rPr>
+              <a:t>（手机号）</a:t>
             </a:r>
             <a:endParaRPr lang="zh-CN" altLang="en-US">
               <a:latin typeface="黑体" pitchFamily="49" charset="-122"/>
@@ -9633,16 +10396,52 @@
           </a:p>
         </p:txBody>
       </p:sp>
-      <p:sp>
-        <p:nvSpPr>
-          <p:cNvPr id="9" name="圆角矩形 8"/>
+      <p:cxnSp>
+        <p:nvCxnSpPr>
+          <p:cNvPr id="23" name="直接箭头连接符 22"/>
+          <p:cNvCxnSpPr>
+            <a:stCxn id="21" idx="2"/>
+            <a:endCxn id="16" idx="0"/>
+          </p:cNvCxnSpPr>
+          <p:nvPr/>
+        </p:nvCxnSpPr>
+        <p:spPr>
+          <a:xfrm>
+            <a:off x="1943708" y="5085184"/>
+            <a:ext cx="0" cy="360040"/>
+          </a:xfrm>
+          <a:prstGeom prst="straightConnector1">
+            <a:avLst/>
+          </a:prstGeom>
+          <a:ln>
+            <a:tailEnd type="arrow"/>
+          </a:ln>
+        </p:spPr>
+        <p:style>
+          <a:lnRef idx="1">
+            <a:schemeClr val="accent1"/>
+          </a:lnRef>
+          <a:fillRef idx="0">
+            <a:schemeClr val="accent1"/>
+          </a:fillRef>
+          <a:effectRef idx="0">
+            <a:schemeClr val="accent1"/>
+          </a:effectRef>
+          <a:fontRef idx="minor">
+            <a:schemeClr val="tx1"/>
+          </a:fontRef>
+        </p:style>
+      </p:cxnSp>
+      <p:sp>
+        <p:nvSpPr>
+          <p:cNvPr id="25" name="圆角矩形 24"/>
           <p:cNvSpPr/>
           <p:nvPr/>
         </p:nvSpPr>
         <p:spPr>
           <a:xfrm>
-            <a:off x="899592" y="2348879"/>
-            <a:ext cx="1656184" cy="604165"/>
+            <a:off x="4788024" y="476672"/>
+            <a:ext cx="1656184" cy="576064"/>
           </a:xfrm>
           <a:prstGeom prst="roundRect">
             <a:avLst/>
@@ -9679,14 +10478,14 @@
                 <a:latin typeface="黑体" pitchFamily="49" charset="-122"/>
                 <a:ea typeface="黑体" pitchFamily="49" charset="-122"/>
               </a:rPr>
-              <a:t>手机</a:t>
+              <a:t>客户端上传</a:t>
             </a:r>
             <a:r>
               <a:rPr lang="en-US" altLang="zh-CN" smtClean="0">
                 <a:latin typeface="黑体" pitchFamily="49" charset="-122"/>
                 <a:ea typeface="黑体" pitchFamily="49" charset="-122"/>
               </a:rPr>
-              <a:t>:char(11)</a:t>
+              <a:t>token</a:t>
             </a:r>
             <a:endParaRPr lang="zh-CN" altLang="en-US">
               <a:latin typeface="黑体" pitchFamily="49" charset="-122"/>
@@ -9697,14 +10496,14 @@
       </p:sp>
       <p:sp>
         <p:nvSpPr>
-          <p:cNvPr id="10" name="圆角矩形 9"/>
+          <p:cNvPr id="26" name="圆角矩形 25"/>
           <p:cNvSpPr/>
           <p:nvPr/>
         </p:nvSpPr>
         <p:spPr>
           <a:xfrm>
-            <a:off x="2555776" y="2348879"/>
-            <a:ext cx="1656184" cy="604165"/>
+            <a:off x="1115616" y="476672"/>
+            <a:ext cx="1656184" cy="576064"/>
           </a:xfrm>
           <a:prstGeom prst="roundRect">
             <a:avLst/>
@@ -9741,28 +10540,14 @@
                 <a:latin typeface="黑体" pitchFamily="49" charset="-122"/>
                 <a:ea typeface="黑体" pitchFamily="49" charset="-122"/>
               </a:rPr>
-              <a:t>住</a:t>
-            </a:r>
-            <a:r>
-              <a:rPr lang="zh-CN" altLang="en-US" smtClean="0">
-                <a:latin typeface="黑体" pitchFamily="49" charset="-122"/>
-                <a:ea typeface="黑体" pitchFamily="49" charset="-122"/>
-              </a:rPr>
-              <a:t>址</a:t>
+              <a:t>打开</a:t>
             </a:r>
             <a:r>
               <a:rPr lang="en-US" altLang="zh-CN" smtClean="0">
                 <a:latin typeface="黑体" pitchFamily="49" charset="-122"/>
                 <a:ea typeface="黑体" pitchFamily="49" charset="-122"/>
               </a:rPr>
-              <a:t>:</a:t>
-            </a:r>
-            <a:r>
-              <a:rPr lang="en-US" altLang="zh-CN" err="1" smtClean="0">
-                <a:latin typeface="黑体" pitchFamily="49" charset="-122"/>
-                <a:ea typeface="黑体" pitchFamily="49" charset="-122"/>
-              </a:rPr>
-              <a:t>varchar</a:t>
+              <a:t>app</a:t>
             </a:r>
             <a:endParaRPr lang="zh-CN" altLang="en-US">
               <a:latin typeface="黑体" pitchFamily="49" charset="-122"/>
@@ -9773,14 +10558,14 @@
       </p:sp>
       <p:sp>
         <p:nvSpPr>
-          <p:cNvPr id="11" name="圆角矩形 10"/>
+          <p:cNvPr id="27" name="圆角矩形 26"/>
           <p:cNvSpPr/>
           <p:nvPr/>
         </p:nvSpPr>
         <p:spPr>
           <a:xfrm>
-            <a:off x="899592" y="3356991"/>
-            <a:ext cx="1656184" cy="604165"/>
+            <a:off x="6228184" y="2204864"/>
+            <a:ext cx="1656184" cy="576064"/>
           </a:xfrm>
           <a:prstGeom prst="roundRect">
             <a:avLst/>
@@ -9813,32 +10598,18 @@
           <a:p>
             <a:pPr algn="ctr"/>
             <a:r>
+              <a:rPr lang="en-US" altLang="zh-CN" smtClean="0">
+                <a:latin typeface="黑体" pitchFamily="49" charset="-122"/>
+                <a:ea typeface="黑体" pitchFamily="49" charset="-122"/>
+              </a:rPr>
+              <a:t>token</a:t>
+            </a:r>
+            <a:r>
               <a:rPr lang="zh-CN" altLang="en-US" smtClean="0">
                 <a:latin typeface="黑体" pitchFamily="49" charset="-122"/>
                 <a:ea typeface="黑体" pitchFamily="49" charset="-122"/>
               </a:rPr>
-              <a:t>邮</a:t>
-            </a:r>
-            <a:r>
-              <a:rPr lang="zh-CN" altLang="en-US" smtClean="0">
-                <a:latin typeface="黑体" pitchFamily="49" charset="-122"/>
-                <a:ea typeface="黑体" pitchFamily="49" charset="-122"/>
-              </a:rPr>
-              <a:t>箱</a:t>
-            </a:r>
-            <a:r>
-              <a:rPr lang="en-US" altLang="zh-CN" smtClean="0">
-                <a:latin typeface="黑体" pitchFamily="49" charset="-122"/>
-                <a:ea typeface="黑体" pitchFamily="49" charset="-122"/>
-              </a:rPr>
-              <a:t>:</a:t>
-            </a:r>
-            <a:r>
-              <a:rPr lang="en-US" altLang="zh-CN" err="1" smtClean="0">
-                <a:latin typeface="黑体" pitchFamily="49" charset="-122"/>
-                <a:ea typeface="黑体" pitchFamily="49" charset="-122"/>
-              </a:rPr>
-              <a:t>varchar</a:t>
+              <a:t>未过期</a:t>
             </a:r>
             <a:endParaRPr lang="zh-CN" altLang="en-US">
               <a:latin typeface="黑体" pitchFamily="49" charset="-122"/>
@@ -9849,14 +10620,118 @@
       </p:sp>
       <p:sp>
         <p:nvSpPr>
-          <p:cNvPr id="12" name="圆角矩形 11"/>
+          <p:cNvPr id="31" name="TextBox 30"/>
+          <p:cNvSpPr txBox="1"/>
+          <p:nvPr/>
+        </p:nvSpPr>
+        <p:spPr>
+          <a:xfrm>
+            <a:off x="1115616" y="1412776"/>
+            <a:ext cx="1638525" cy="369332"/>
+          </a:xfrm>
+          <a:prstGeom prst="rect">
+            <a:avLst/>
+          </a:prstGeom>
+          <a:noFill/>
+        </p:spPr>
+        <p:txBody>
+          <a:bodyPr wrap="none" rtlCol="0">
+            <a:spAutoFit/>
+          </a:bodyPr>
+          <a:lstStyle/>
+          <a:p>
+            <a:r>
+              <a:rPr lang="zh-CN" altLang="en-US" smtClean="0"/>
+              <a:t>客户端无</a:t>
+            </a:r>
+            <a:r>
+              <a:rPr lang="en-US" altLang="zh-CN" smtClean="0"/>
+              <a:t>token</a:t>
+            </a:r>
+            <a:endParaRPr lang="zh-CN" altLang="en-US"/>
+          </a:p>
+        </p:txBody>
+      </p:sp>
+      <p:sp>
+        <p:nvSpPr>
+          <p:cNvPr id="35" name="TextBox 34"/>
+          <p:cNvSpPr txBox="1"/>
+          <p:nvPr/>
+        </p:nvSpPr>
+        <p:spPr>
+          <a:xfrm>
+            <a:off x="2987824" y="404664"/>
+            <a:ext cx="1638525" cy="369332"/>
+          </a:xfrm>
+          <a:prstGeom prst="rect">
+            <a:avLst/>
+          </a:prstGeom>
+          <a:noFill/>
+        </p:spPr>
+        <p:txBody>
+          <a:bodyPr wrap="none" rtlCol="0">
+            <a:spAutoFit/>
+          </a:bodyPr>
+          <a:lstStyle/>
+          <a:p>
+            <a:r>
+              <a:rPr lang="zh-CN" altLang="en-US" smtClean="0"/>
+              <a:t>客户端有</a:t>
+            </a:r>
+            <a:r>
+              <a:rPr lang="en-US" altLang="zh-CN" smtClean="0"/>
+              <a:t>token</a:t>
+            </a:r>
+            <a:endParaRPr lang="zh-CN" altLang="en-US"/>
+          </a:p>
+        </p:txBody>
+      </p:sp>
+      <p:cxnSp>
+        <p:nvCxnSpPr>
+          <p:cNvPr id="38" name="直接箭头连接符 37"/>
+          <p:cNvCxnSpPr>
+            <a:stCxn id="25" idx="2"/>
+            <a:endCxn id="27" idx="0"/>
+          </p:cNvCxnSpPr>
+          <p:nvPr/>
+        </p:nvCxnSpPr>
+        <p:spPr>
+          <a:xfrm>
+            <a:off x="5616116" y="1052736"/>
+            <a:ext cx="1440160" cy="1152128"/>
+          </a:xfrm>
+          <a:prstGeom prst="straightConnector1">
+            <a:avLst/>
+          </a:prstGeom>
+          <a:ln>
+            <a:tailEnd type="arrow"/>
+          </a:ln>
+        </p:spPr>
+        <p:style>
+          <a:lnRef idx="1">
+            <a:schemeClr val="accent1"/>
+          </a:lnRef>
+          <a:fillRef idx="0">
+            <a:schemeClr val="accent1"/>
+          </a:fillRef>
+          <a:effectRef idx="0">
+            <a:schemeClr val="accent1"/>
+          </a:effectRef>
+          <a:fontRef idx="minor">
+            <a:schemeClr val="tx1"/>
+          </a:fontRef>
+        </p:style>
+      </p:cxnSp>
+      <p:sp>
+        <p:nvSpPr>
+          <p:cNvPr id="40" name="圆角矩形 39"/>
           <p:cNvSpPr/>
           <p:nvPr/>
         </p:nvSpPr>
         <p:spPr>
           <a:xfrm>
-            <a:off x="1691680" y="620687"/>
-            <a:ext cx="1656184" cy="604165"/>
+            <a:off x="1115616" y="2092747"/>
+            <a:ext cx="1656184" cy="792088"/>
           </a:xfrm>
           <a:prstGeom prst="roundRect">
             <a:avLst/>
@@ -9889,18 +10764,11 @@
           <a:p>
             <a:pPr algn="ctr"/>
             <a:r>
-              <a:rPr lang="en-US" altLang="zh-CN" smtClean="0">
-                <a:latin typeface="黑体" pitchFamily="49" charset="-122"/>
-                <a:ea typeface="黑体" pitchFamily="49" charset="-122"/>
-              </a:rPr>
-              <a:t>regist</a:t>
-            </a:r>
-            <a:r>
-              <a:rPr lang="en-US" altLang="zh-CN" smtClean="0">
-                <a:latin typeface="黑体" pitchFamily="49" charset="-122"/>
-                <a:ea typeface="黑体" pitchFamily="49" charset="-122"/>
-              </a:rPr>
-              <a:t>_info</a:t>
+              <a:rPr lang="zh-CN" altLang="en-US" smtClean="0">
+                <a:latin typeface="黑体" pitchFamily="49" charset="-122"/>
+                <a:ea typeface="黑体" pitchFamily="49" charset="-122"/>
+              </a:rPr>
+              <a:t>欢迎界面（未登录）</a:t>
             </a:r>
             <a:endParaRPr lang="zh-CN" altLang="en-US">
               <a:latin typeface="黑体" pitchFamily="49" charset="-122"/>
@@ -9911,51 +10779,13 @@
       </p:sp>
       <p:sp>
         <p:nvSpPr>
-          <p:cNvPr id="15" name="矩形 14"/>
+          <p:cNvPr id="41" name="圆角矩形 40"/>
           <p:cNvSpPr/>
           <p:nvPr/>
         </p:nvSpPr>
         <p:spPr>
           <a:xfrm>
-            <a:off x="4932040" y="953344"/>
-            <a:ext cx="3528392" cy="5716016"/>
-          </a:xfrm>
-          <a:prstGeom prst="rect">
-            <a:avLst/>
-          </a:prstGeom>
-        </p:spPr>
-        <p:style>
-          <a:lnRef idx="2">
-            <a:schemeClr val="dk1"/>
-          </a:lnRef>
-          <a:fillRef idx="1">
-            <a:schemeClr val="lt1"/>
-          </a:fillRef>
-          <a:effectRef idx="0">
-            <a:schemeClr val="dk1"/>
-          </a:effectRef>
-          <a:fontRef idx="minor">
-            <a:schemeClr val="dk1"/>
-          </a:fontRef>
-        </p:style>
-        <p:txBody>
-          <a:bodyPr rtlCol="0" anchor="ctr"/>
-          <a:lstStyle/>
-          <a:p>
-            <a:pPr algn="ctr"/>
-            <a:endParaRPr lang="zh-CN" altLang="en-US"/>
-          </a:p>
-        </p:txBody>
-      </p:sp>
-      <p:sp>
-        <p:nvSpPr>
-          <p:cNvPr id="16" name="圆角矩形 15"/>
-          <p:cNvSpPr/>
-          <p:nvPr/>
-        </p:nvSpPr>
-        <p:spPr>
-          <a:xfrm>
-            <a:off x="5868144" y="2564904"/>
+            <a:off x="3635896" y="2204864"/>
             <a:ext cx="1656184" cy="576064"/>
           </a:xfrm>
           <a:prstGeom prst="roundRect">
@@ -9989,39 +10819,18 @@
           <a:p>
             <a:pPr algn="ctr"/>
             <a:r>
+              <a:rPr lang="en-US" altLang="zh-CN" smtClean="0">
+                <a:latin typeface="黑体" pitchFamily="49" charset="-122"/>
+                <a:ea typeface="黑体" pitchFamily="49" charset="-122"/>
+              </a:rPr>
+              <a:t>token</a:t>
+            </a:r>
+            <a:r>
               <a:rPr lang="zh-CN" altLang="en-US" smtClean="0">
                 <a:latin typeface="黑体" pitchFamily="49" charset="-122"/>
                 <a:ea typeface="黑体" pitchFamily="49" charset="-122"/>
               </a:rPr>
-              <a:t>手</a:t>
-            </a:r>
-            <a:r>
-              <a:rPr lang="zh-CN" altLang="en-US" smtClean="0">
-                <a:latin typeface="黑体" pitchFamily="49" charset="-122"/>
-                <a:ea typeface="黑体" pitchFamily="49" charset="-122"/>
-              </a:rPr>
-              <a:t>机号</a:t>
-            </a:r>
-            <a:r>
-              <a:rPr lang="en-US" altLang="zh-CN" smtClean="0">
-                <a:latin typeface="黑体" pitchFamily="49" charset="-122"/>
-                <a:ea typeface="黑体" pitchFamily="49" charset="-122"/>
-              </a:rPr>
-              <a:t>MD5</a:t>
-            </a:r>
-            <a:r>
-              <a:rPr lang="zh-CN" altLang="en-US" smtClean="0">
-                <a:latin typeface="黑体" pitchFamily="49" charset="-122"/>
-                <a:ea typeface="黑体" pitchFamily="49" charset="-122"/>
-              </a:rPr>
-              <a:t>码</a:t>
-            </a:r>
-            <a:r>
-              <a:rPr lang="en-US" altLang="zh-CN" smtClean="0">
-                <a:latin typeface="黑体" pitchFamily="49" charset="-122"/>
-                <a:ea typeface="黑体" pitchFamily="49" charset="-122"/>
-              </a:rPr>
-              <a:t>:char(11)</a:t>
+              <a:t>已过期</a:t>
             </a:r>
             <a:endParaRPr lang="zh-CN" altLang="en-US">
               <a:latin typeface="黑体" pitchFamily="49" charset="-122"/>
@@ -10030,16 +10839,160 @@
           </a:p>
         </p:txBody>
       </p:sp>
-      <p:sp>
-        <p:nvSpPr>
-          <p:cNvPr id="17" name="圆角矩形 16"/>
+      <p:cxnSp>
+        <p:nvCxnSpPr>
+          <p:cNvPr id="46" name="直接箭头连接符 45"/>
+          <p:cNvCxnSpPr>
+            <a:stCxn id="26" idx="3"/>
+            <a:endCxn id="25" idx="1"/>
+          </p:cNvCxnSpPr>
+          <p:nvPr/>
+        </p:nvCxnSpPr>
+        <p:spPr>
+          <a:xfrm>
+            <a:off x="2771800" y="764704"/>
+            <a:ext cx="2016224" cy="0"/>
+          </a:xfrm>
+          <a:prstGeom prst="straightConnector1">
+            <a:avLst/>
+          </a:prstGeom>
+          <a:ln>
+            <a:tailEnd type="arrow"/>
+          </a:ln>
+        </p:spPr>
+        <p:style>
+          <a:lnRef idx="1">
+            <a:schemeClr val="accent1"/>
+          </a:lnRef>
+          <a:fillRef idx="0">
+            <a:schemeClr val="accent1"/>
+          </a:fillRef>
+          <a:effectRef idx="0">
+            <a:schemeClr val="accent1"/>
+          </a:effectRef>
+          <a:fontRef idx="minor">
+            <a:schemeClr val="tx1"/>
+          </a:fontRef>
+        </p:style>
+      </p:cxnSp>
+      <p:cxnSp>
+        <p:nvCxnSpPr>
+          <p:cNvPr id="49" name="直接箭头连接符 48"/>
+          <p:cNvCxnSpPr>
+            <a:stCxn id="25" idx="2"/>
+            <a:endCxn id="41" idx="0"/>
+          </p:cNvCxnSpPr>
+          <p:nvPr/>
+        </p:nvCxnSpPr>
+        <p:spPr>
+          <a:xfrm flipH="1">
+            <a:off x="4463988" y="1052736"/>
+            <a:ext cx="1152128" cy="1152128"/>
+          </a:xfrm>
+          <a:prstGeom prst="straightConnector1">
+            <a:avLst/>
+          </a:prstGeom>
+          <a:ln>
+            <a:tailEnd type="arrow"/>
+          </a:ln>
+        </p:spPr>
+        <p:style>
+          <a:lnRef idx="1">
+            <a:schemeClr val="accent1"/>
+          </a:lnRef>
+          <a:fillRef idx="0">
+            <a:schemeClr val="accent1"/>
+          </a:fillRef>
+          <a:effectRef idx="0">
+            <a:schemeClr val="accent1"/>
+          </a:effectRef>
+          <a:fontRef idx="minor">
+            <a:schemeClr val="tx1"/>
+          </a:fontRef>
+        </p:style>
+      </p:cxnSp>
+      <p:cxnSp>
+        <p:nvCxnSpPr>
+          <p:cNvPr id="24" name="直接箭头连接符 23"/>
+          <p:cNvCxnSpPr>
+            <a:stCxn id="26" idx="2"/>
+            <a:endCxn id="40" idx="0"/>
+          </p:cNvCxnSpPr>
+          <p:nvPr/>
+        </p:nvCxnSpPr>
+        <p:spPr>
+          <a:xfrm>
+            <a:off x="1943708" y="1052736"/>
+            <a:ext cx="0" cy="1040011"/>
+          </a:xfrm>
+          <a:prstGeom prst="straightConnector1">
+            <a:avLst/>
+          </a:prstGeom>
+          <a:ln>
+            <a:tailEnd type="arrow"/>
+          </a:ln>
+        </p:spPr>
+        <p:style>
+          <a:lnRef idx="1">
+            <a:schemeClr val="accent1"/>
+          </a:lnRef>
+          <a:fillRef idx="0">
+            <a:schemeClr val="accent1"/>
+          </a:fillRef>
+          <a:effectRef idx="0">
+            <a:schemeClr val="accent1"/>
+          </a:effectRef>
+          <a:fontRef idx="minor">
+            <a:schemeClr val="tx1"/>
+          </a:fontRef>
+        </p:style>
+      </p:cxnSp>
+      <p:cxnSp>
+        <p:nvCxnSpPr>
+          <p:cNvPr id="36" name="直接箭头连接符 35"/>
+          <p:cNvCxnSpPr>
+            <a:stCxn id="41" idx="1"/>
+            <a:endCxn id="40" idx="3"/>
+          </p:cNvCxnSpPr>
+          <p:nvPr/>
+        </p:nvCxnSpPr>
+        <p:spPr>
+          <a:xfrm flipH="1" flipV="1">
+            <a:off x="2771800" y="2488791"/>
+            <a:ext cx="864096" cy="4105"/>
+          </a:xfrm>
+          <a:prstGeom prst="straightConnector1">
+            <a:avLst/>
+          </a:prstGeom>
+          <a:ln>
+            <a:tailEnd type="arrow"/>
+          </a:ln>
+        </p:spPr>
+        <p:style>
+          <a:lnRef idx="1">
+            <a:schemeClr val="accent1"/>
+          </a:lnRef>
+          <a:fillRef idx="0">
+            <a:schemeClr val="accent1"/>
+          </a:fillRef>
+          <a:effectRef idx="0">
+            <a:schemeClr val="accent1"/>
+          </a:effectRef>
+          <a:fontRef idx="minor">
+            <a:schemeClr val="tx1"/>
+          </a:fontRef>
+        </p:style>
+      </p:cxnSp>
+      <p:sp>
+        <p:nvSpPr>
+          <p:cNvPr id="37" name="圆角矩形 36"/>
           <p:cNvSpPr/>
           <p:nvPr/>
         </p:nvSpPr>
         <p:spPr>
           <a:xfrm>
-            <a:off x="5868144" y="4293096"/>
-            <a:ext cx="1656184" cy="576064"/>
+            <a:off x="6228184" y="5525442"/>
+            <a:ext cx="1656184" cy="792088"/>
           </a:xfrm>
           <a:prstGeom prst="roundRect">
             <a:avLst/>
@@ -10076,14 +11029,7 @@
                 <a:latin typeface="黑体" pitchFamily="49" charset="-122"/>
                 <a:ea typeface="黑体" pitchFamily="49" charset="-122"/>
               </a:rPr>
-              <a:t>验证码</a:t>
-            </a:r>
-            <a:r>
-              <a:rPr lang="en-US" altLang="zh-CN" smtClean="0">
-                <a:latin typeface="黑体" pitchFamily="49" charset="-122"/>
-                <a:ea typeface="黑体" pitchFamily="49" charset="-122"/>
-              </a:rPr>
-              <a:t>:char(6)</a:t>
+              <a:t>欢迎界面（已登录）</a:t>
             </a:r>
             <a:endParaRPr lang="zh-CN" altLang="en-US">
               <a:latin typeface="黑体" pitchFamily="49" charset="-122"/>
@@ -10092,15 +11038,223 @@
           </a:p>
         </p:txBody>
       </p:sp>
-      <p:sp>
-        <p:nvSpPr>
-          <p:cNvPr id="21" name="圆角矩形 20"/>
+      <p:cxnSp>
+        <p:nvCxnSpPr>
+          <p:cNvPr id="42" name="直接箭头连接符 41"/>
+          <p:cNvCxnSpPr>
+            <a:stCxn id="27" idx="2"/>
+            <a:endCxn id="37" idx="0"/>
+          </p:cNvCxnSpPr>
+          <p:nvPr/>
+        </p:nvCxnSpPr>
+        <p:spPr>
+          <a:xfrm>
+            <a:off x="7056276" y="2780928"/>
+            <a:ext cx="0" cy="2744514"/>
+          </a:xfrm>
+          <a:prstGeom prst="straightConnector1">
+            <a:avLst/>
+          </a:prstGeom>
+          <a:ln>
+            <a:tailEnd type="arrow"/>
+          </a:ln>
+        </p:spPr>
+        <p:style>
+          <a:lnRef idx="1">
+            <a:schemeClr val="accent1"/>
+          </a:lnRef>
+          <a:fillRef idx="0">
+            <a:schemeClr val="accent1"/>
+          </a:fillRef>
+          <a:effectRef idx="0">
+            <a:schemeClr val="accent1"/>
+          </a:effectRef>
+          <a:fontRef idx="minor">
+            <a:schemeClr val="tx1"/>
+          </a:fontRef>
+        </p:style>
+      </p:cxnSp>
+      <p:cxnSp>
+        <p:nvCxnSpPr>
+          <p:cNvPr id="44" name="直接箭头连接符 43"/>
+          <p:cNvCxnSpPr>
+            <a:stCxn id="16" idx="3"/>
+            <a:endCxn id="37" idx="1"/>
+          </p:cNvCxnSpPr>
+          <p:nvPr/>
+        </p:nvCxnSpPr>
+        <p:spPr>
+          <a:xfrm>
+            <a:off x="2771800" y="5913276"/>
+            <a:ext cx="3456384" cy="8210"/>
+          </a:xfrm>
+          <a:prstGeom prst="straightConnector1">
+            <a:avLst/>
+          </a:prstGeom>
+          <a:ln>
+            <a:tailEnd type="arrow"/>
+          </a:ln>
+        </p:spPr>
+        <p:style>
+          <a:lnRef idx="1">
+            <a:schemeClr val="accent1"/>
+          </a:lnRef>
+          <a:fillRef idx="0">
+            <a:schemeClr val="accent1"/>
+          </a:fillRef>
+          <a:effectRef idx="0">
+            <a:schemeClr val="accent1"/>
+          </a:effectRef>
+          <a:fontRef idx="minor">
+            <a:schemeClr val="tx1"/>
+          </a:fontRef>
+        </p:style>
+      </p:cxnSp>
+      <p:cxnSp>
+        <p:nvCxnSpPr>
+          <p:cNvPr id="52" name="直接箭头连接符 51"/>
+          <p:cNvCxnSpPr>
+            <a:stCxn id="40" idx="2"/>
+            <a:endCxn id="17" idx="0"/>
+          </p:cNvCxnSpPr>
+          <p:nvPr/>
+        </p:nvCxnSpPr>
+        <p:spPr>
+          <a:xfrm>
+            <a:off x="1943708" y="2884835"/>
+            <a:ext cx="0" cy="400149"/>
+          </a:xfrm>
+          <a:prstGeom prst="straightConnector1">
+            <a:avLst/>
+          </a:prstGeom>
+          <a:ln>
+            <a:tailEnd type="arrow"/>
+          </a:ln>
+        </p:spPr>
+        <p:style>
+          <a:lnRef idx="1">
+            <a:schemeClr val="accent1"/>
+          </a:lnRef>
+          <a:fillRef idx="0">
+            <a:schemeClr val="accent1"/>
+          </a:fillRef>
+          <a:effectRef idx="0">
+            <a:schemeClr val="accent1"/>
+          </a:effectRef>
+          <a:fontRef idx="minor">
+            <a:schemeClr val="tx1"/>
+          </a:fontRef>
+        </p:style>
+      </p:cxnSp>
+      <p:cxnSp>
+        <p:nvCxnSpPr>
+          <p:cNvPr id="56" name="直接箭头连接符 55"/>
+          <p:cNvCxnSpPr>
+            <a:stCxn id="17" idx="2"/>
+            <a:endCxn id="21" idx="0"/>
+          </p:cNvCxnSpPr>
+          <p:nvPr/>
+        </p:nvCxnSpPr>
+        <p:spPr>
+          <a:xfrm>
+            <a:off x="1943708" y="3861048"/>
+            <a:ext cx="0" cy="288032"/>
+          </a:xfrm>
+          <a:prstGeom prst="straightConnector1">
+            <a:avLst/>
+          </a:prstGeom>
+          <a:ln>
+            <a:tailEnd type="arrow"/>
+          </a:ln>
+        </p:spPr>
+        <p:style>
+          <a:lnRef idx="1">
+            <a:schemeClr val="accent1"/>
+          </a:lnRef>
+          <a:fillRef idx="0">
+            <a:schemeClr val="accent1"/>
+          </a:fillRef>
+          <a:effectRef idx="0">
+            <a:schemeClr val="accent1"/>
+          </a:effectRef>
+          <a:fontRef idx="minor">
+            <a:schemeClr val="tx1"/>
+          </a:fontRef>
+        </p:style>
+      </p:cxnSp>
+    </p:spTree>
+  </p:cSld>
+  <p:clrMapOvr>
+    <a:masterClrMapping/>
+  </p:clrMapOvr>
+</p:sld>
+</file>
+
+<file path=ppt/slides/slide8.xml><?xml version="1.0" encoding="utf-8"?>
+<p:sld xmlns:a="http://schemas.openxmlformats.org/drawingml/2006/main" xmlns:r="http://schemas.openxmlformats.org/officeDocument/2006/relationships" xmlns:p="http://schemas.openxmlformats.org/presentationml/2006/main">
+  <p:cSld>
+    <p:spTree>
+      <p:nvGrpSpPr>
+        <p:cNvPr id="1" name=""/>
+        <p:cNvGrpSpPr/>
+        <p:nvPr/>
+      </p:nvGrpSpPr>
+      <p:grpSpPr>
+        <a:xfrm>
+          <a:off x="0" y="0"/>
+          <a:ext cx="0" cy="0"/>
+          <a:chOff x="0" y="0"/>
+          <a:chExt cx="0" cy="0"/>
+        </a:xfrm>
+      </p:grpSpPr>
+      <p:sp>
+        <p:nvSpPr>
+          <p:cNvPr id="15" name="矩形 14"/>
           <p:cNvSpPr/>
           <p:nvPr/>
         </p:nvSpPr>
         <p:spPr>
           <a:xfrm>
-            <a:off x="5868144" y="1097360"/>
+            <a:off x="827584" y="260648"/>
+            <a:ext cx="7488832" cy="6364088"/>
+          </a:xfrm>
+          <a:prstGeom prst="rect">
+            <a:avLst/>
+          </a:prstGeom>
+          <a:noFill/>
+        </p:spPr>
+        <p:style>
+          <a:lnRef idx="2">
+            <a:schemeClr val="dk1"/>
+          </a:lnRef>
+          <a:fillRef idx="1">
+            <a:schemeClr val="lt1"/>
+          </a:fillRef>
+          <a:effectRef idx="0">
+            <a:schemeClr val="dk1"/>
+          </a:effectRef>
+          <a:fontRef idx="minor">
+            <a:schemeClr val="dk1"/>
+          </a:fontRef>
+        </p:style>
+        <p:txBody>
+          <a:bodyPr rtlCol="0" anchor="ctr"/>
+          <a:lstStyle/>
+          <a:p>
+            <a:pPr algn="ctr"/>
+            <a:endParaRPr lang="zh-CN" altLang="en-US"/>
+          </a:p>
+        </p:txBody>
+      </p:sp>
+      <p:sp>
+        <p:nvSpPr>
+          <p:cNvPr id="17" name="圆角矩形 16"/>
+          <p:cNvSpPr/>
+          <p:nvPr/>
+        </p:nvSpPr>
+        <p:spPr>
+          <a:xfrm>
+            <a:off x="1043608" y="4509120"/>
             <a:ext cx="1656184" cy="576064"/>
           </a:xfrm>
           <a:prstGeom prst="roundRect">
@@ -10134,11 +11288,18 @@
           <a:p>
             <a:pPr algn="ctr"/>
             <a:r>
+              <a:rPr lang="zh-CN" altLang="en-US" smtClean="0">
+                <a:latin typeface="黑体" pitchFamily="49" charset="-122"/>
+                <a:ea typeface="黑体" pitchFamily="49" charset="-122"/>
+              </a:rPr>
+              <a:t>返回</a:t>
+            </a:r>
+            <a:r>
               <a:rPr lang="en-US" altLang="zh-CN" smtClean="0">
                 <a:latin typeface="黑体" pitchFamily="49" charset="-122"/>
                 <a:ea typeface="黑体" pitchFamily="49" charset="-122"/>
               </a:rPr>
-              <a:t>users</a:t>
+              <a:t>status=0</a:t>
             </a:r>
             <a:endParaRPr lang="zh-CN" altLang="en-US">
               <a:latin typeface="黑体" pitchFamily="49" charset="-122"/>
@@ -10149,19 +11310,25 @@
       </p:sp>
       <p:sp>
         <p:nvSpPr>
-          <p:cNvPr id="30" name="矩形 29"/>
+          <p:cNvPr id="27" name="圆角矩形 26"/>
           <p:cNvSpPr/>
           <p:nvPr/>
         </p:nvSpPr>
         <p:spPr>
           <a:xfrm>
-            <a:off x="467544" y="0"/>
-            <a:ext cx="8424936" cy="6858000"/>
-          </a:xfrm>
-          <a:prstGeom prst="rect">
-            <a:avLst/>
-          </a:prstGeom>
-          <a:noFill/>
+            <a:off x="4716016" y="476672"/>
+            <a:ext cx="1656184" cy="576064"/>
+          </a:xfrm>
+          <a:prstGeom prst="roundRect">
+            <a:avLst/>
+          </a:prstGeom>
+          <a:effectLst>
+            <a:outerShdw blurRad="50800" dist="38100" dir="2700000" algn="tl" rotWithShape="0">
+              <a:prstClr val="black">
+                <a:alpha val="40000"/>
+              </a:prstClr>
+            </a:outerShdw>
+          </a:effectLst>
         </p:spPr>
         <p:style>
           <a:lnRef idx="2">
@@ -10182,6 +11349,1348 @@
           <a:lstStyle/>
           <a:p>
             <a:pPr algn="ctr"/>
+            <a:r>
+              <a:rPr lang="zh-CN" altLang="en-US" smtClean="0"/>
+              <a:t>客户端有</a:t>
+            </a:r>
+            <a:r>
+              <a:rPr lang="en-US" altLang="zh-CN" smtClean="0"/>
+              <a:t>token</a:t>
+            </a:r>
+            <a:endParaRPr lang="zh-CN" altLang="en-US"/>
+          </a:p>
+        </p:txBody>
+      </p:sp>
+      <p:sp>
+        <p:nvSpPr>
+          <p:cNvPr id="41" name="圆角矩形 40"/>
+          <p:cNvSpPr/>
+          <p:nvPr/>
+        </p:nvSpPr>
+        <p:spPr>
+          <a:xfrm>
+            <a:off x="1043608" y="476672"/>
+            <a:ext cx="1656184" cy="576064"/>
+          </a:xfrm>
+          <a:prstGeom prst="roundRect">
+            <a:avLst/>
+          </a:prstGeom>
+          <a:effectLst>
+            <a:outerShdw blurRad="50800" dist="38100" dir="2700000" algn="tl" rotWithShape="0">
+              <a:prstClr val="black">
+                <a:alpha val="40000"/>
+              </a:prstClr>
+            </a:outerShdw>
+          </a:effectLst>
+        </p:spPr>
+        <p:style>
+          <a:lnRef idx="2">
+            <a:schemeClr val="dk1"/>
+          </a:lnRef>
+          <a:fillRef idx="1">
+            <a:schemeClr val="lt1"/>
+          </a:fillRef>
+          <a:effectRef idx="0">
+            <a:schemeClr val="dk1"/>
+          </a:effectRef>
+          <a:fontRef idx="minor">
+            <a:schemeClr val="dk1"/>
+          </a:fontRef>
+        </p:style>
+        <p:txBody>
+          <a:bodyPr rtlCol="0" anchor="ctr"/>
+          <a:lstStyle/>
+          <a:p>
+            <a:pPr algn="ctr"/>
+            <a:r>
+              <a:rPr lang="zh-CN" altLang="en-US" smtClean="0"/>
+              <a:t>客户端无</a:t>
+            </a:r>
+            <a:r>
+              <a:rPr lang="en-US" altLang="zh-CN" smtClean="0"/>
+              <a:t>token</a:t>
+            </a:r>
+            <a:endParaRPr lang="zh-CN" altLang="en-US"/>
+          </a:p>
+        </p:txBody>
+      </p:sp>
+      <p:sp>
+        <p:nvSpPr>
+          <p:cNvPr id="28" name="圆角矩形 27"/>
+          <p:cNvSpPr/>
+          <p:nvPr/>
+        </p:nvSpPr>
+        <p:spPr>
+          <a:xfrm>
+            <a:off x="1043608" y="1556792"/>
+            <a:ext cx="1656184" cy="576064"/>
+          </a:xfrm>
+          <a:prstGeom prst="roundRect">
+            <a:avLst/>
+          </a:prstGeom>
+          <a:effectLst>
+            <a:outerShdw blurRad="50800" dist="38100" dir="2700000" algn="tl" rotWithShape="0">
+              <a:prstClr val="black">
+                <a:alpha val="40000"/>
+              </a:prstClr>
+            </a:outerShdw>
+          </a:effectLst>
+        </p:spPr>
+        <p:style>
+          <a:lnRef idx="2">
+            <a:schemeClr val="dk1"/>
+          </a:lnRef>
+          <a:fillRef idx="1">
+            <a:schemeClr val="lt1"/>
+          </a:fillRef>
+          <a:effectRef idx="0">
+            <a:schemeClr val="dk1"/>
+          </a:effectRef>
+          <a:fontRef idx="minor">
+            <a:schemeClr val="dk1"/>
+          </a:fontRef>
+        </p:style>
+        <p:txBody>
+          <a:bodyPr rtlCol="0" anchor="ctr"/>
+          <a:lstStyle/>
+          <a:p>
+            <a:pPr algn="ctr"/>
+            <a:r>
+              <a:rPr lang="en-US" altLang="zh-CN" smtClean="0">
+                <a:latin typeface="黑体" pitchFamily="49" charset="-122"/>
+                <a:ea typeface="黑体" pitchFamily="49" charset="-122"/>
+                <a:cs typeface="Times New Roman" pitchFamily="18" charset="0"/>
+              </a:rPr>
+              <a:t>token</a:t>
+            </a:r>
+            <a:r>
+              <a:rPr lang="en-US" altLang="zh-CN" smtClean="0">
+                <a:latin typeface="黑体" pitchFamily="49" charset="-122"/>
+                <a:ea typeface="黑体" pitchFamily="49" charset="-122"/>
+              </a:rPr>
+              <a:t>=</a:t>
+            </a:r>
+            <a:r>
+              <a:rPr lang="en-US" altLang="zh-CN" smtClean="0"/>
+              <a:t>“”</a:t>
+            </a:r>
+            <a:endParaRPr lang="zh-CN" altLang="en-US">
+              <a:latin typeface="黑体" pitchFamily="49" charset="-122"/>
+              <a:ea typeface="黑体" pitchFamily="49" charset="-122"/>
+            </a:endParaRPr>
+          </a:p>
+        </p:txBody>
+      </p:sp>
+      <p:sp>
+        <p:nvSpPr>
+          <p:cNvPr id="29" name="圆角矩形 28"/>
+          <p:cNvSpPr/>
+          <p:nvPr/>
+        </p:nvSpPr>
+        <p:spPr>
+          <a:xfrm>
+            <a:off x="4716016" y="1556792"/>
+            <a:ext cx="1656184" cy="576064"/>
+          </a:xfrm>
+          <a:prstGeom prst="roundRect">
+            <a:avLst/>
+          </a:prstGeom>
+          <a:solidFill>
+            <a:srgbClr val="FFFF00"/>
+          </a:solidFill>
+          <a:effectLst>
+            <a:outerShdw blurRad="50800" dist="38100" dir="2700000" algn="tl" rotWithShape="0">
+              <a:prstClr val="black">
+                <a:alpha val="40000"/>
+              </a:prstClr>
+            </a:outerShdw>
+          </a:effectLst>
+        </p:spPr>
+        <p:style>
+          <a:lnRef idx="2">
+            <a:schemeClr val="dk1"/>
+          </a:lnRef>
+          <a:fillRef idx="1">
+            <a:schemeClr val="lt1"/>
+          </a:fillRef>
+          <a:effectRef idx="0">
+            <a:schemeClr val="dk1"/>
+          </a:effectRef>
+          <a:fontRef idx="minor">
+            <a:schemeClr val="dk1"/>
+          </a:fontRef>
+        </p:style>
+        <p:txBody>
+          <a:bodyPr rtlCol="0" anchor="ctr"/>
+          <a:lstStyle/>
+          <a:p>
+            <a:pPr algn="ctr"/>
+            <a:r>
+              <a:rPr lang="en-US" altLang="zh-CN" smtClean="0">
+                <a:latin typeface="黑体" pitchFamily="49" charset="-122"/>
+                <a:ea typeface="黑体" pitchFamily="49" charset="-122"/>
+                <a:cs typeface="Times New Roman" pitchFamily="18" charset="0"/>
+              </a:rPr>
+              <a:t>token</a:t>
+            </a:r>
+            <a:r>
+              <a:rPr lang="en-US" altLang="zh-CN" smtClean="0">
+                <a:latin typeface="黑体" pitchFamily="49" charset="-122"/>
+                <a:ea typeface="黑体" pitchFamily="49" charset="-122"/>
+              </a:rPr>
+              <a:t>=</a:t>
+            </a:r>
+            <a:r>
+              <a:rPr lang="zh-CN" altLang="en-US" smtClean="0">
+                <a:solidFill>
+                  <a:schemeClr val="tx1"/>
+                </a:solidFill>
+                <a:latin typeface="黑体" pitchFamily="49" charset="-122"/>
+                <a:ea typeface="黑体" pitchFamily="49" charset="-122"/>
+                <a:cs typeface="Times New Roman" pitchFamily="18" charset="0"/>
+              </a:rPr>
+              <a:t>手机</a:t>
+            </a:r>
+            <a:r>
+              <a:rPr lang="zh-CN" altLang="en-US" smtClean="0">
+                <a:solidFill>
+                  <a:schemeClr val="tx1"/>
+                </a:solidFill>
+                <a:latin typeface="黑体" pitchFamily="49" charset="-122"/>
+                <a:ea typeface="黑体" pitchFamily="49" charset="-122"/>
+                <a:cs typeface="Times New Roman" pitchFamily="18" charset="0"/>
+              </a:rPr>
+              <a:t>号</a:t>
+            </a:r>
+            <a:endParaRPr lang="zh-CN" altLang="en-US">
+              <a:solidFill>
+                <a:schemeClr val="tx1"/>
+              </a:solidFill>
+              <a:latin typeface="黑体" pitchFamily="49" charset="-122"/>
+              <a:ea typeface="黑体" pitchFamily="49" charset="-122"/>
+            </a:endParaRPr>
+          </a:p>
+        </p:txBody>
+      </p:sp>
+      <p:cxnSp>
+        <p:nvCxnSpPr>
+          <p:cNvPr id="32" name="直接箭头连接符 31"/>
+          <p:cNvCxnSpPr>
+            <a:stCxn id="41" idx="2"/>
+            <a:endCxn id="28" idx="0"/>
+          </p:cNvCxnSpPr>
+          <p:nvPr/>
+        </p:nvCxnSpPr>
+        <p:spPr>
+          <a:xfrm>
+            <a:off x="1871700" y="1052736"/>
+            <a:ext cx="0" cy="504056"/>
+          </a:xfrm>
+          <a:prstGeom prst="straightConnector1">
+            <a:avLst/>
+          </a:prstGeom>
+          <a:ln>
+            <a:tailEnd type="arrow"/>
+          </a:ln>
+        </p:spPr>
+        <p:style>
+          <a:lnRef idx="1">
+            <a:schemeClr val="accent1"/>
+          </a:lnRef>
+          <a:fillRef idx="0">
+            <a:schemeClr val="accent1"/>
+          </a:fillRef>
+          <a:effectRef idx="0">
+            <a:schemeClr val="accent1"/>
+          </a:effectRef>
+          <a:fontRef idx="minor">
+            <a:schemeClr val="tx1"/>
+          </a:fontRef>
+        </p:style>
+      </p:cxnSp>
+      <p:sp>
+        <p:nvSpPr>
+          <p:cNvPr id="33" name="圆角矩形 32"/>
+          <p:cNvSpPr/>
+          <p:nvPr/>
+        </p:nvSpPr>
+        <p:spPr>
+          <a:xfrm>
+            <a:off x="1043608" y="2780928"/>
+            <a:ext cx="1656184" cy="576064"/>
+          </a:xfrm>
+          <a:prstGeom prst="roundRect">
+            <a:avLst/>
+          </a:prstGeom>
+          <a:effectLst>
+            <a:outerShdw blurRad="50800" dist="38100" dir="2700000" algn="tl" rotWithShape="0">
+              <a:prstClr val="black">
+                <a:alpha val="40000"/>
+              </a:prstClr>
+            </a:outerShdw>
+          </a:effectLst>
+        </p:spPr>
+        <p:style>
+          <a:lnRef idx="2">
+            <a:schemeClr val="dk1"/>
+          </a:lnRef>
+          <a:fillRef idx="1">
+            <a:schemeClr val="lt1"/>
+          </a:fillRef>
+          <a:effectRef idx="0">
+            <a:schemeClr val="dk1"/>
+          </a:effectRef>
+          <a:fontRef idx="minor">
+            <a:schemeClr val="dk1"/>
+          </a:fontRef>
+        </p:style>
+        <p:txBody>
+          <a:bodyPr rtlCol="0" anchor="ctr"/>
+          <a:lstStyle/>
+          <a:p>
+            <a:pPr algn="ctr"/>
+            <a:r>
+              <a:rPr lang="zh-CN" altLang="en-US" smtClean="0">
+                <a:latin typeface="黑体" pitchFamily="49" charset="-122"/>
+                <a:ea typeface="黑体" pitchFamily="49" charset="-122"/>
+              </a:rPr>
+              <a:t>上传服务器</a:t>
+            </a:r>
+            <a:endParaRPr lang="zh-CN" altLang="en-US">
+              <a:latin typeface="黑体" pitchFamily="49" charset="-122"/>
+              <a:ea typeface="黑体" pitchFamily="49" charset="-122"/>
+            </a:endParaRPr>
+          </a:p>
+        </p:txBody>
+      </p:sp>
+      <p:cxnSp>
+        <p:nvCxnSpPr>
+          <p:cNvPr id="39" name="直接箭头连接符 38"/>
+          <p:cNvCxnSpPr>
+            <a:stCxn id="28" idx="2"/>
+            <a:endCxn id="33" idx="0"/>
+          </p:cNvCxnSpPr>
+          <p:nvPr/>
+        </p:nvCxnSpPr>
+        <p:spPr>
+          <a:xfrm>
+            <a:off x="1871700" y="2132856"/>
+            <a:ext cx="0" cy="648072"/>
+          </a:xfrm>
+          <a:prstGeom prst="straightConnector1">
+            <a:avLst/>
+          </a:prstGeom>
+          <a:ln>
+            <a:tailEnd type="arrow"/>
+          </a:ln>
+        </p:spPr>
+        <p:style>
+          <a:lnRef idx="1">
+            <a:schemeClr val="accent1"/>
+          </a:lnRef>
+          <a:fillRef idx="0">
+            <a:schemeClr val="accent1"/>
+          </a:fillRef>
+          <a:effectRef idx="0">
+            <a:schemeClr val="accent1"/>
+          </a:effectRef>
+          <a:fontRef idx="minor">
+            <a:schemeClr val="tx1"/>
+          </a:fontRef>
+        </p:style>
+      </p:cxnSp>
+      <p:cxnSp>
+        <p:nvCxnSpPr>
+          <p:cNvPr id="45" name="直接箭头连接符 44"/>
+          <p:cNvCxnSpPr>
+            <a:stCxn id="29" idx="2"/>
+            <a:endCxn id="50" idx="0"/>
+          </p:cNvCxnSpPr>
+          <p:nvPr/>
+        </p:nvCxnSpPr>
+        <p:spPr>
+          <a:xfrm>
+            <a:off x="5544108" y="2132856"/>
+            <a:ext cx="0" cy="648072"/>
+          </a:xfrm>
+          <a:prstGeom prst="straightConnector1">
+            <a:avLst/>
+          </a:prstGeom>
+          <a:ln>
+            <a:tailEnd type="arrow"/>
+          </a:ln>
+        </p:spPr>
+        <p:style>
+          <a:lnRef idx="1">
+            <a:schemeClr val="accent1"/>
+          </a:lnRef>
+          <a:fillRef idx="0">
+            <a:schemeClr val="accent1"/>
+          </a:fillRef>
+          <a:effectRef idx="0">
+            <a:schemeClr val="accent1"/>
+          </a:effectRef>
+          <a:fontRef idx="minor">
+            <a:schemeClr val="tx1"/>
+          </a:fontRef>
+        </p:style>
+      </p:cxnSp>
+      <p:sp>
+        <p:nvSpPr>
+          <p:cNvPr id="50" name="圆角矩形 49"/>
+          <p:cNvSpPr/>
+          <p:nvPr/>
+        </p:nvSpPr>
+        <p:spPr>
+          <a:xfrm>
+            <a:off x="4716016" y="2780928"/>
+            <a:ext cx="1656184" cy="576064"/>
+          </a:xfrm>
+          <a:prstGeom prst="roundRect">
+            <a:avLst/>
+          </a:prstGeom>
+          <a:effectLst>
+            <a:outerShdw blurRad="50800" dist="38100" dir="2700000" algn="tl" rotWithShape="0">
+              <a:prstClr val="black">
+                <a:alpha val="40000"/>
+              </a:prstClr>
+            </a:outerShdw>
+          </a:effectLst>
+        </p:spPr>
+        <p:style>
+          <a:lnRef idx="2">
+            <a:schemeClr val="dk1"/>
+          </a:lnRef>
+          <a:fillRef idx="1">
+            <a:schemeClr val="lt1"/>
+          </a:fillRef>
+          <a:effectRef idx="0">
+            <a:schemeClr val="dk1"/>
+          </a:effectRef>
+          <a:fontRef idx="minor">
+            <a:schemeClr val="dk1"/>
+          </a:fontRef>
+        </p:style>
+        <p:txBody>
+          <a:bodyPr rtlCol="0" anchor="ctr"/>
+          <a:lstStyle/>
+          <a:p>
+            <a:pPr algn="ctr"/>
+            <a:r>
+              <a:rPr lang="zh-CN" altLang="en-US" smtClean="0">
+                <a:latin typeface="黑体" pitchFamily="49" charset="-122"/>
+                <a:ea typeface="黑体" pitchFamily="49" charset="-122"/>
+              </a:rPr>
+              <a:t>上传服务器</a:t>
+            </a:r>
+            <a:endParaRPr lang="zh-CN" altLang="en-US">
+              <a:latin typeface="黑体" pitchFamily="49" charset="-122"/>
+              <a:ea typeface="黑体" pitchFamily="49" charset="-122"/>
+            </a:endParaRPr>
+          </a:p>
+        </p:txBody>
+      </p:sp>
+      <p:sp>
+        <p:nvSpPr>
+          <p:cNvPr id="54" name="圆角矩形 53"/>
+          <p:cNvSpPr/>
+          <p:nvPr/>
+        </p:nvSpPr>
+        <p:spPr>
+          <a:xfrm>
+            <a:off x="3275856" y="4509120"/>
+            <a:ext cx="1656184" cy="576064"/>
+          </a:xfrm>
+          <a:prstGeom prst="roundRect">
+            <a:avLst/>
+          </a:prstGeom>
+          <a:effectLst>
+            <a:outerShdw blurRad="50800" dist="38100" dir="2700000" algn="tl" rotWithShape="0">
+              <a:prstClr val="black">
+                <a:alpha val="40000"/>
+              </a:prstClr>
+            </a:outerShdw>
+          </a:effectLst>
+        </p:spPr>
+        <p:style>
+          <a:lnRef idx="2">
+            <a:schemeClr val="dk1"/>
+          </a:lnRef>
+          <a:fillRef idx="1">
+            <a:schemeClr val="lt1"/>
+          </a:fillRef>
+          <a:effectRef idx="0">
+            <a:schemeClr val="dk1"/>
+          </a:effectRef>
+          <a:fontRef idx="minor">
+            <a:schemeClr val="dk1"/>
+          </a:fontRef>
+        </p:style>
+        <p:txBody>
+          <a:bodyPr rtlCol="0" anchor="ctr"/>
+          <a:lstStyle/>
+          <a:p>
+            <a:pPr algn="ctr"/>
+            <a:r>
+              <a:rPr lang="zh-CN" altLang="en-US" smtClean="0">
+                <a:latin typeface="黑体" pitchFamily="49" charset="-122"/>
+                <a:ea typeface="黑体" pitchFamily="49" charset="-122"/>
+              </a:rPr>
+              <a:t>返回</a:t>
+            </a:r>
+            <a:r>
+              <a:rPr lang="en-US" altLang="zh-CN" smtClean="0">
+                <a:latin typeface="黑体" pitchFamily="49" charset="-122"/>
+                <a:ea typeface="黑体" pitchFamily="49" charset="-122"/>
+              </a:rPr>
+              <a:t>status=0</a:t>
+            </a:r>
+            <a:endParaRPr lang="zh-CN" altLang="en-US">
+              <a:latin typeface="黑体" pitchFamily="49" charset="-122"/>
+              <a:ea typeface="黑体" pitchFamily="49" charset="-122"/>
+            </a:endParaRPr>
+          </a:p>
+        </p:txBody>
+      </p:sp>
+      <p:cxnSp>
+        <p:nvCxnSpPr>
+          <p:cNvPr id="57" name="直接箭头连接符 56"/>
+          <p:cNvCxnSpPr>
+            <a:stCxn id="33" idx="2"/>
+            <a:endCxn id="17" idx="0"/>
+          </p:cNvCxnSpPr>
+          <p:nvPr/>
+        </p:nvCxnSpPr>
+        <p:spPr>
+          <a:xfrm>
+            <a:off x="1871700" y="3356992"/>
+            <a:ext cx="0" cy="1152128"/>
+          </a:xfrm>
+          <a:prstGeom prst="straightConnector1">
+            <a:avLst/>
+          </a:prstGeom>
+          <a:ln>
+            <a:tailEnd type="arrow"/>
+          </a:ln>
+        </p:spPr>
+        <p:style>
+          <a:lnRef idx="1">
+            <a:schemeClr val="accent1"/>
+          </a:lnRef>
+          <a:fillRef idx="0">
+            <a:schemeClr val="accent1"/>
+          </a:fillRef>
+          <a:effectRef idx="0">
+            <a:schemeClr val="accent1"/>
+          </a:effectRef>
+          <a:fontRef idx="minor">
+            <a:schemeClr val="tx1"/>
+          </a:fontRef>
+        </p:style>
+      </p:cxnSp>
+      <p:cxnSp>
+        <p:nvCxnSpPr>
+          <p:cNvPr id="59" name="直接箭头连接符 58"/>
+          <p:cNvCxnSpPr>
+            <a:stCxn id="50" idx="2"/>
+            <a:endCxn id="54" idx="0"/>
+          </p:cNvCxnSpPr>
+          <p:nvPr/>
+        </p:nvCxnSpPr>
+        <p:spPr>
+          <a:xfrm flipH="1">
+            <a:off x="4103948" y="3356992"/>
+            <a:ext cx="1440160" cy="1152128"/>
+          </a:xfrm>
+          <a:prstGeom prst="straightConnector1">
+            <a:avLst/>
+          </a:prstGeom>
+          <a:ln>
+            <a:tailEnd type="arrow"/>
+          </a:ln>
+        </p:spPr>
+        <p:style>
+          <a:lnRef idx="1">
+            <a:schemeClr val="accent1"/>
+          </a:lnRef>
+          <a:fillRef idx="0">
+            <a:schemeClr val="accent1"/>
+          </a:fillRef>
+          <a:effectRef idx="0">
+            <a:schemeClr val="accent1"/>
+          </a:effectRef>
+          <a:fontRef idx="minor">
+            <a:schemeClr val="tx1"/>
+          </a:fontRef>
+        </p:style>
+      </p:cxnSp>
+      <p:cxnSp>
+        <p:nvCxnSpPr>
+          <p:cNvPr id="60" name="直接箭头连接符 59"/>
+          <p:cNvCxnSpPr>
+            <a:stCxn id="27" idx="2"/>
+            <a:endCxn id="29" idx="0"/>
+          </p:cNvCxnSpPr>
+          <p:nvPr/>
+        </p:nvCxnSpPr>
+        <p:spPr>
+          <a:xfrm>
+            <a:off x="5544108" y="1052736"/>
+            <a:ext cx="0" cy="504056"/>
+          </a:xfrm>
+          <a:prstGeom prst="straightConnector1">
+            <a:avLst/>
+          </a:prstGeom>
+          <a:ln>
+            <a:tailEnd type="arrow"/>
+          </a:ln>
+        </p:spPr>
+        <p:style>
+          <a:lnRef idx="1">
+            <a:schemeClr val="accent1"/>
+          </a:lnRef>
+          <a:fillRef idx="0">
+            <a:schemeClr val="accent1"/>
+          </a:fillRef>
+          <a:effectRef idx="0">
+            <a:schemeClr val="accent1"/>
+          </a:effectRef>
+          <a:fontRef idx="minor">
+            <a:schemeClr val="tx1"/>
+          </a:fontRef>
+        </p:style>
+      </p:cxnSp>
+      <p:sp>
+        <p:nvSpPr>
+          <p:cNvPr id="67" name="圆角矩形 66"/>
+          <p:cNvSpPr/>
+          <p:nvPr/>
+        </p:nvSpPr>
+        <p:spPr>
+          <a:xfrm>
+            <a:off x="6300192" y="4509120"/>
+            <a:ext cx="1656184" cy="576064"/>
+          </a:xfrm>
+          <a:prstGeom prst="roundRect">
+            <a:avLst/>
+          </a:prstGeom>
+          <a:effectLst>
+            <a:outerShdw blurRad="50800" dist="38100" dir="2700000" algn="tl" rotWithShape="0">
+              <a:prstClr val="black">
+                <a:alpha val="40000"/>
+              </a:prstClr>
+            </a:outerShdw>
+          </a:effectLst>
+        </p:spPr>
+        <p:style>
+          <a:lnRef idx="2">
+            <a:schemeClr val="dk1"/>
+          </a:lnRef>
+          <a:fillRef idx="1">
+            <a:schemeClr val="lt1"/>
+          </a:fillRef>
+          <a:effectRef idx="0">
+            <a:schemeClr val="dk1"/>
+          </a:effectRef>
+          <a:fontRef idx="minor">
+            <a:schemeClr val="dk1"/>
+          </a:fontRef>
+        </p:style>
+        <p:txBody>
+          <a:bodyPr rtlCol="0" anchor="ctr"/>
+          <a:lstStyle/>
+          <a:p>
+            <a:pPr algn="ctr"/>
+            <a:r>
+              <a:rPr lang="zh-CN" altLang="en-US" smtClean="0">
+                <a:latin typeface="黑体" pitchFamily="49" charset="-122"/>
+                <a:ea typeface="黑体" pitchFamily="49" charset="-122"/>
+              </a:rPr>
+              <a:t>返回</a:t>
+            </a:r>
+            <a:r>
+              <a:rPr lang="en-US" altLang="zh-CN" smtClean="0">
+                <a:latin typeface="黑体" pitchFamily="49" charset="-122"/>
+                <a:ea typeface="黑体" pitchFamily="49" charset="-122"/>
+              </a:rPr>
+              <a:t>status=1</a:t>
+            </a:r>
+            <a:endParaRPr lang="zh-CN" altLang="en-US">
+              <a:latin typeface="黑体" pitchFamily="49" charset="-122"/>
+              <a:ea typeface="黑体" pitchFamily="49" charset="-122"/>
+            </a:endParaRPr>
+          </a:p>
+        </p:txBody>
+      </p:sp>
+      <p:cxnSp>
+        <p:nvCxnSpPr>
+          <p:cNvPr id="68" name="直接箭头连接符 67"/>
+          <p:cNvCxnSpPr>
+            <a:stCxn id="50" idx="2"/>
+            <a:endCxn id="67" idx="0"/>
+          </p:cNvCxnSpPr>
+          <p:nvPr/>
+        </p:nvCxnSpPr>
+        <p:spPr>
+          <a:xfrm>
+            <a:off x="5544108" y="3356992"/>
+            <a:ext cx="1584176" cy="1152128"/>
+          </a:xfrm>
+          <a:prstGeom prst="straightConnector1">
+            <a:avLst/>
+          </a:prstGeom>
+          <a:ln>
+            <a:tailEnd type="arrow"/>
+          </a:ln>
+        </p:spPr>
+        <p:style>
+          <a:lnRef idx="1">
+            <a:schemeClr val="accent1"/>
+          </a:lnRef>
+          <a:fillRef idx="0">
+            <a:schemeClr val="accent1"/>
+          </a:fillRef>
+          <a:effectRef idx="0">
+            <a:schemeClr val="accent1"/>
+          </a:effectRef>
+          <a:fontRef idx="minor">
+            <a:schemeClr val="tx1"/>
+          </a:fontRef>
+        </p:style>
+      </p:cxnSp>
+      <p:sp>
+        <p:nvSpPr>
+          <p:cNvPr id="71" name="TextBox 70"/>
+          <p:cNvSpPr txBox="1"/>
+          <p:nvPr/>
+        </p:nvSpPr>
+        <p:spPr>
+          <a:xfrm>
+            <a:off x="3563888" y="3573016"/>
+            <a:ext cx="1407693" cy="369332"/>
+          </a:xfrm>
+          <a:prstGeom prst="rect">
+            <a:avLst/>
+          </a:prstGeom>
+          <a:noFill/>
+        </p:spPr>
+        <p:txBody>
+          <a:bodyPr wrap="none" rtlCol="0">
+            <a:spAutoFit/>
+          </a:bodyPr>
+          <a:lstStyle/>
+          <a:p>
+            <a:r>
+              <a:rPr lang="en-US" altLang="zh-CN" smtClean="0"/>
+              <a:t>token</a:t>
+            </a:r>
+            <a:r>
+              <a:rPr lang="zh-CN" altLang="en-US" smtClean="0"/>
+              <a:t>已过期</a:t>
+            </a:r>
+            <a:endParaRPr lang="zh-CN" altLang="en-US"/>
+          </a:p>
+        </p:txBody>
+      </p:sp>
+      <p:sp>
+        <p:nvSpPr>
+          <p:cNvPr id="72" name="TextBox 71"/>
+          <p:cNvSpPr txBox="1"/>
+          <p:nvPr/>
+        </p:nvSpPr>
+        <p:spPr>
+          <a:xfrm>
+            <a:off x="6228184" y="3573016"/>
+            <a:ext cx="1407693" cy="369332"/>
+          </a:xfrm>
+          <a:prstGeom prst="rect">
+            <a:avLst/>
+          </a:prstGeom>
+          <a:noFill/>
+        </p:spPr>
+        <p:txBody>
+          <a:bodyPr wrap="none" rtlCol="0">
+            <a:spAutoFit/>
+          </a:bodyPr>
+          <a:lstStyle/>
+          <a:p>
+            <a:r>
+              <a:rPr lang="en-US" altLang="zh-CN" smtClean="0"/>
+              <a:t>token</a:t>
+            </a:r>
+            <a:r>
+              <a:rPr lang="zh-CN" altLang="en-US" smtClean="0"/>
+              <a:t>未过期</a:t>
+            </a:r>
+            <a:endParaRPr lang="zh-CN" altLang="en-US"/>
+          </a:p>
+        </p:txBody>
+      </p:sp>
+      <p:sp>
+        <p:nvSpPr>
+          <p:cNvPr id="75" name="圆角矩形 74"/>
+          <p:cNvSpPr/>
+          <p:nvPr/>
+        </p:nvSpPr>
+        <p:spPr>
+          <a:xfrm>
+            <a:off x="2123728" y="5733256"/>
+            <a:ext cx="1656184" cy="576064"/>
+          </a:xfrm>
+          <a:prstGeom prst="roundRect">
+            <a:avLst/>
+          </a:prstGeom>
+          <a:effectLst>
+            <a:outerShdw blurRad="50800" dist="38100" dir="2700000" algn="tl" rotWithShape="0">
+              <a:prstClr val="black">
+                <a:alpha val="40000"/>
+              </a:prstClr>
+            </a:outerShdw>
+          </a:effectLst>
+        </p:spPr>
+        <p:style>
+          <a:lnRef idx="2">
+            <a:schemeClr val="dk1"/>
+          </a:lnRef>
+          <a:fillRef idx="1">
+            <a:schemeClr val="lt1"/>
+          </a:fillRef>
+          <a:effectRef idx="0">
+            <a:schemeClr val="dk1"/>
+          </a:effectRef>
+          <a:fontRef idx="minor">
+            <a:schemeClr val="dk1"/>
+          </a:fontRef>
+        </p:style>
+        <p:txBody>
+          <a:bodyPr rtlCol="0" anchor="ctr"/>
+          <a:lstStyle/>
+          <a:p>
+            <a:pPr algn="ctr"/>
+            <a:r>
+              <a:rPr lang="zh-CN" altLang="en-US" smtClean="0">
+                <a:latin typeface="黑体" pitchFamily="49" charset="-122"/>
+                <a:ea typeface="黑体" pitchFamily="49" charset="-122"/>
+              </a:rPr>
+              <a:t>未登录界面</a:t>
+            </a:r>
+            <a:endParaRPr lang="zh-CN" altLang="en-US">
+              <a:latin typeface="黑体" pitchFamily="49" charset="-122"/>
+              <a:ea typeface="黑体" pitchFamily="49" charset="-122"/>
+            </a:endParaRPr>
+          </a:p>
+        </p:txBody>
+      </p:sp>
+      <p:cxnSp>
+        <p:nvCxnSpPr>
+          <p:cNvPr id="77" name="直接箭头连接符 76"/>
+          <p:cNvCxnSpPr>
+            <a:stCxn id="17" idx="2"/>
+            <a:endCxn id="75" idx="0"/>
+          </p:cNvCxnSpPr>
+          <p:nvPr/>
+        </p:nvCxnSpPr>
+        <p:spPr>
+          <a:xfrm>
+            <a:off x="1871700" y="5085184"/>
+            <a:ext cx="1080120" cy="648072"/>
+          </a:xfrm>
+          <a:prstGeom prst="straightConnector1">
+            <a:avLst/>
+          </a:prstGeom>
+          <a:ln>
+            <a:tailEnd type="arrow"/>
+          </a:ln>
+        </p:spPr>
+        <p:style>
+          <a:lnRef idx="1">
+            <a:schemeClr val="accent1"/>
+          </a:lnRef>
+          <a:fillRef idx="0">
+            <a:schemeClr val="accent1"/>
+          </a:fillRef>
+          <a:effectRef idx="0">
+            <a:schemeClr val="accent1"/>
+          </a:effectRef>
+          <a:fontRef idx="minor">
+            <a:schemeClr val="tx1"/>
+          </a:fontRef>
+        </p:style>
+      </p:cxnSp>
+      <p:cxnSp>
+        <p:nvCxnSpPr>
+          <p:cNvPr id="79" name="直接箭头连接符 78"/>
+          <p:cNvCxnSpPr>
+            <a:stCxn id="54" idx="2"/>
+            <a:endCxn id="75" idx="0"/>
+          </p:cNvCxnSpPr>
+          <p:nvPr/>
+        </p:nvCxnSpPr>
+        <p:spPr>
+          <a:xfrm flipH="1">
+            <a:off x="2951820" y="5085184"/>
+            <a:ext cx="1152128" cy="648072"/>
+          </a:xfrm>
+          <a:prstGeom prst="straightConnector1">
+            <a:avLst/>
+          </a:prstGeom>
+          <a:ln>
+            <a:tailEnd type="arrow"/>
+          </a:ln>
+        </p:spPr>
+        <p:style>
+          <a:lnRef idx="1">
+            <a:schemeClr val="accent1"/>
+          </a:lnRef>
+          <a:fillRef idx="0">
+            <a:schemeClr val="accent1"/>
+          </a:fillRef>
+          <a:effectRef idx="0">
+            <a:schemeClr val="accent1"/>
+          </a:effectRef>
+          <a:fontRef idx="minor">
+            <a:schemeClr val="tx1"/>
+          </a:fontRef>
+        </p:style>
+      </p:cxnSp>
+      <p:sp>
+        <p:nvSpPr>
+          <p:cNvPr id="80" name="圆角矩形 79"/>
+          <p:cNvSpPr/>
+          <p:nvPr/>
+        </p:nvSpPr>
+        <p:spPr>
+          <a:xfrm>
+            <a:off x="6300192" y="5733256"/>
+            <a:ext cx="1656184" cy="576064"/>
+          </a:xfrm>
+          <a:prstGeom prst="roundRect">
+            <a:avLst/>
+          </a:prstGeom>
+          <a:effectLst>
+            <a:outerShdw blurRad="50800" dist="38100" dir="2700000" algn="tl" rotWithShape="0">
+              <a:prstClr val="black">
+                <a:alpha val="40000"/>
+              </a:prstClr>
+            </a:outerShdw>
+          </a:effectLst>
+        </p:spPr>
+        <p:style>
+          <a:lnRef idx="2">
+            <a:schemeClr val="dk1"/>
+          </a:lnRef>
+          <a:fillRef idx="1">
+            <a:schemeClr val="lt1"/>
+          </a:fillRef>
+          <a:effectRef idx="0">
+            <a:schemeClr val="dk1"/>
+          </a:effectRef>
+          <a:fontRef idx="minor">
+            <a:schemeClr val="dk1"/>
+          </a:fontRef>
+        </p:style>
+        <p:txBody>
+          <a:bodyPr rtlCol="0" anchor="ctr"/>
+          <a:lstStyle/>
+          <a:p>
+            <a:pPr algn="ctr"/>
+            <a:r>
+              <a:rPr lang="zh-CN" altLang="en-US" smtClean="0">
+                <a:latin typeface="黑体" pitchFamily="49" charset="-122"/>
+                <a:ea typeface="黑体" pitchFamily="49" charset="-122"/>
+              </a:rPr>
+              <a:t>已登</a:t>
+            </a:r>
+            <a:r>
+              <a:rPr lang="zh-CN" altLang="en-US" smtClean="0">
+                <a:latin typeface="黑体" pitchFamily="49" charset="-122"/>
+                <a:ea typeface="黑体" pitchFamily="49" charset="-122"/>
+              </a:rPr>
+              <a:t>录界面</a:t>
+            </a:r>
+            <a:endParaRPr lang="zh-CN" altLang="en-US">
+              <a:latin typeface="黑体" pitchFamily="49" charset="-122"/>
+              <a:ea typeface="黑体" pitchFamily="49" charset="-122"/>
+            </a:endParaRPr>
+          </a:p>
+        </p:txBody>
+      </p:sp>
+      <p:cxnSp>
+        <p:nvCxnSpPr>
+          <p:cNvPr id="81" name="直接箭头连接符 80"/>
+          <p:cNvCxnSpPr>
+            <a:stCxn id="67" idx="2"/>
+            <a:endCxn id="80" idx="0"/>
+          </p:cNvCxnSpPr>
+          <p:nvPr/>
+        </p:nvCxnSpPr>
+        <p:spPr>
+          <a:xfrm>
+            <a:off x="7128284" y="5085184"/>
+            <a:ext cx="0" cy="648072"/>
+          </a:xfrm>
+          <a:prstGeom prst="straightConnector1">
+            <a:avLst/>
+          </a:prstGeom>
+          <a:ln>
+            <a:tailEnd type="arrow"/>
+          </a:ln>
+        </p:spPr>
+        <p:style>
+          <a:lnRef idx="1">
+            <a:schemeClr val="accent1"/>
+          </a:lnRef>
+          <a:fillRef idx="0">
+            <a:schemeClr val="accent1"/>
+          </a:fillRef>
+          <a:effectRef idx="0">
+            <a:schemeClr val="accent1"/>
+          </a:effectRef>
+          <a:fontRef idx="minor">
+            <a:schemeClr val="tx1"/>
+          </a:fontRef>
+        </p:style>
+      </p:cxnSp>
+    </p:spTree>
+  </p:cSld>
+  <p:clrMapOvr>
+    <a:masterClrMapping/>
+  </p:clrMapOvr>
+</p:sld>
+</file>
+
+<file path=ppt/slides/slide9.xml><?xml version="1.0" encoding="utf-8"?>
+<p:sld xmlns:a="http://schemas.openxmlformats.org/drawingml/2006/main" xmlns:r="http://schemas.openxmlformats.org/officeDocument/2006/relationships" xmlns:p="http://schemas.openxmlformats.org/presentationml/2006/main">
+  <p:cSld>
+    <p:spTree>
+      <p:nvGrpSpPr>
+        <p:cNvPr id="1" name=""/>
+        <p:cNvGrpSpPr/>
+        <p:nvPr/>
+      </p:nvGrpSpPr>
+      <p:grpSpPr>
+        <a:xfrm>
+          <a:off x="0" y="0"/>
+          <a:ext cx="0" cy="0"/>
+          <a:chOff x="0" y="0"/>
+          <a:chExt cx="0" cy="0"/>
+        </a:xfrm>
+      </p:grpSpPr>
+      <p:sp>
+        <p:nvSpPr>
+          <p:cNvPr id="15" name="矩形 14"/>
+          <p:cNvSpPr/>
+          <p:nvPr/>
+        </p:nvSpPr>
+        <p:spPr>
+          <a:xfrm>
+            <a:off x="827584" y="260648"/>
+            <a:ext cx="7488832" cy="6364088"/>
+          </a:xfrm>
+          <a:prstGeom prst="rect">
+            <a:avLst/>
+          </a:prstGeom>
+          <a:noFill/>
+        </p:spPr>
+        <p:style>
+          <a:lnRef idx="2">
+            <a:schemeClr val="dk1"/>
+          </a:lnRef>
+          <a:fillRef idx="1">
+            <a:schemeClr val="lt1"/>
+          </a:fillRef>
+          <a:effectRef idx="0">
+            <a:schemeClr val="dk1"/>
+          </a:effectRef>
+          <a:fontRef idx="minor">
+            <a:schemeClr val="dk1"/>
+          </a:fontRef>
+        </p:style>
+        <p:txBody>
+          <a:bodyPr rtlCol="0" anchor="ctr"/>
+          <a:lstStyle/>
+          <a:p>
+            <a:pPr algn="ctr"/>
+            <a:endParaRPr lang="zh-CN" altLang="en-US"/>
+          </a:p>
+        </p:txBody>
+      </p:sp>
+      <p:sp>
+        <p:nvSpPr>
+          <p:cNvPr id="41" name="圆角矩形 40"/>
+          <p:cNvSpPr/>
+          <p:nvPr/>
+        </p:nvSpPr>
+        <p:spPr>
+          <a:xfrm>
+            <a:off x="3563888" y="1268760"/>
+            <a:ext cx="1800200" cy="576064"/>
+          </a:xfrm>
+          <a:prstGeom prst="roundRect">
+            <a:avLst/>
+          </a:prstGeom>
+          <a:effectLst>
+            <a:outerShdw blurRad="50800" dist="38100" dir="2700000" algn="tl" rotWithShape="0">
+              <a:prstClr val="black">
+                <a:alpha val="40000"/>
+              </a:prstClr>
+            </a:outerShdw>
+          </a:effectLst>
+        </p:spPr>
+        <p:style>
+          <a:lnRef idx="2">
+            <a:schemeClr val="dk1"/>
+          </a:lnRef>
+          <a:fillRef idx="1">
+            <a:schemeClr val="lt1"/>
+          </a:fillRef>
+          <a:effectRef idx="0">
+            <a:schemeClr val="dk1"/>
+          </a:effectRef>
+          <a:fontRef idx="minor">
+            <a:schemeClr val="dk1"/>
+          </a:fontRef>
+        </p:style>
+        <p:txBody>
+          <a:bodyPr rtlCol="0" anchor="ctr"/>
+          <a:lstStyle/>
+          <a:p>
+            <a:pPr algn="ctr"/>
+            <a:r>
+              <a:rPr lang="zh-CN" altLang="en-US" smtClean="0">
+                <a:latin typeface="黑体" pitchFamily="49" charset="-122"/>
+                <a:ea typeface="黑体" pitchFamily="49" charset="-122"/>
+              </a:rPr>
+              <a:t>用户退出登录</a:t>
+            </a:r>
+            <a:endParaRPr lang="zh-CN" altLang="en-US">
+              <a:latin typeface="黑体" pitchFamily="49" charset="-122"/>
+              <a:ea typeface="黑体" pitchFamily="49" charset="-122"/>
+            </a:endParaRPr>
+          </a:p>
+        </p:txBody>
+      </p:sp>
+      <p:sp>
+        <p:nvSpPr>
+          <p:cNvPr id="28" name="圆角矩形 27"/>
+          <p:cNvSpPr/>
+          <p:nvPr/>
+        </p:nvSpPr>
+        <p:spPr>
+          <a:xfrm>
+            <a:off x="3563888" y="2348880"/>
+            <a:ext cx="1800200" cy="864096"/>
+          </a:xfrm>
+          <a:prstGeom prst="roundRect">
+            <a:avLst/>
+          </a:prstGeom>
+          <a:effectLst>
+            <a:outerShdw blurRad="50800" dist="38100" dir="2700000" algn="tl" rotWithShape="0">
+              <a:prstClr val="black">
+                <a:alpha val="40000"/>
+              </a:prstClr>
+            </a:outerShdw>
+          </a:effectLst>
+        </p:spPr>
+        <p:style>
+          <a:lnRef idx="2">
+            <a:schemeClr val="dk1"/>
+          </a:lnRef>
+          <a:fillRef idx="1">
+            <a:schemeClr val="lt1"/>
+          </a:fillRef>
+          <a:effectRef idx="0">
+            <a:schemeClr val="dk1"/>
+          </a:effectRef>
+          <a:fontRef idx="minor">
+            <a:schemeClr val="dk1"/>
+          </a:fontRef>
+        </p:style>
+        <p:txBody>
+          <a:bodyPr rtlCol="0" anchor="ctr"/>
+          <a:lstStyle/>
+          <a:p>
+            <a:pPr algn="ctr"/>
+            <a:r>
+              <a:rPr lang="zh-CN" altLang="en-US" smtClean="0">
+                <a:latin typeface="黑体" pitchFamily="49" charset="-122"/>
+                <a:ea typeface="黑体" pitchFamily="49" charset="-122"/>
+                <a:cs typeface="Times New Roman" pitchFamily="18" charset="0"/>
+              </a:rPr>
+              <a:t>修改本地</a:t>
+            </a:r>
+            <a:r>
+              <a:rPr lang="en-US" altLang="zh-CN" smtClean="0">
+                <a:latin typeface="黑体" pitchFamily="49" charset="-122"/>
+                <a:ea typeface="黑体" pitchFamily="49" charset="-122"/>
+                <a:cs typeface="Times New Roman" pitchFamily="18" charset="0"/>
+              </a:rPr>
+              <a:t>token</a:t>
+            </a:r>
+            <a:r>
+              <a:rPr lang="en-US" altLang="zh-CN" smtClean="0">
+                <a:latin typeface="黑体" pitchFamily="49" charset="-122"/>
+                <a:ea typeface="黑体" pitchFamily="49" charset="-122"/>
+              </a:rPr>
+              <a:t>=</a:t>
+            </a:r>
+            <a:r>
+              <a:rPr lang="en-US" altLang="zh-CN" smtClean="0"/>
+              <a:t>“”</a:t>
+            </a:r>
+            <a:endParaRPr lang="zh-CN" altLang="en-US">
+              <a:latin typeface="黑体" pitchFamily="49" charset="-122"/>
+              <a:ea typeface="黑体" pitchFamily="49" charset="-122"/>
+            </a:endParaRPr>
+          </a:p>
+        </p:txBody>
+      </p:sp>
+      <p:cxnSp>
+        <p:nvCxnSpPr>
+          <p:cNvPr id="32" name="直接箭头连接符 31"/>
+          <p:cNvCxnSpPr>
+            <a:stCxn id="41" idx="2"/>
+            <a:endCxn id="28" idx="0"/>
+          </p:cNvCxnSpPr>
+          <p:nvPr/>
+        </p:nvCxnSpPr>
+        <p:spPr>
+          <a:xfrm>
+            <a:off x="4463988" y="1844824"/>
+            <a:ext cx="0" cy="504056"/>
+          </a:xfrm>
+          <a:prstGeom prst="straightConnector1">
+            <a:avLst/>
+          </a:prstGeom>
+          <a:ln>
+            <a:tailEnd type="arrow"/>
+          </a:ln>
+        </p:spPr>
+        <p:style>
+          <a:lnRef idx="1">
+            <a:schemeClr val="accent1"/>
+          </a:lnRef>
+          <a:fillRef idx="0">
+            <a:schemeClr val="accent1"/>
+          </a:fillRef>
+          <a:effectRef idx="0">
+            <a:schemeClr val="accent1"/>
+          </a:effectRef>
+          <a:fontRef idx="minor">
+            <a:schemeClr val="tx1"/>
+          </a:fontRef>
+        </p:style>
+      </p:cxnSp>
+      <p:sp>
+        <p:nvSpPr>
+          <p:cNvPr id="34" name="TextBox 33"/>
+          <p:cNvSpPr txBox="1"/>
+          <p:nvPr/>
+        </p:nvSpPr>
+        <p:spPr>
+          <a:xfrm>
+            <a:off x="1907704" y="3789040"/>
+            <a:ext cx="5040560" cy="1754326"/>
+          </a:xfrm>
+          <a:prstGeom prst="rect">
+            <a:avLst/>
+          </a:prstGeom>
+          <a:noFill/>
+        </p:spPr>
+        <p:txBody>
+          <a:bodyPr wrap="square" rtlCol="0">
+            <a:spAutoFit/>
+          </a:bodyPr>
+          <a:lstStyle/>
+          <a:p>
+            <a:r>
+              <a:rPr lang="zh-CN" altLang="en-US" smtClean="0"/>
+              <a:t>注：</a:t>
+            </a:r>
+            <a:endParaRPr lang="en-US" altLang="zh-CN" smtClean="0"/>
+          </a:p>
+          <a:p>
+            <a:r>
+              <a:rPr lang="en-US" altLang="zh-CN" smtClean="0"/>
+              <a:t>1.</a:t>
+            </a:r>
+            <a:r>
+              <a:rPr lang="zh-CN" altLang="en-US" smtClean="0"/>
+              <a:t>要保证</a:t>
+            </a:r>
+            <a:r>
+              <a:rPr lang="en-US" altLang="zh-CN" smtClean="0"/>
+              <a:t>token=“”</a:t>
+            </a:r>
+            <a:r>
+              <a:rPr lang="zh-CN" altLang="en-US" smtClean="0"/>
+              <a:t>时用户必定处于未登录状态；</a:t>
+            </a:r>
+            <a:endParaRPr lang="en-US" altLang="zh-CN" smtClean="0"/>
+          </a:p>
+          <a:p>
+            <a:r>
+              <a:rPr lang="en-US" altLang="zh-CN" smtClean="0"/>
+              <a:t>2.</a:t>
+            </a:r>
+            <a:r>
+              <a:rPr lang="zh-CN" altLang="en-US" smtClean="0"/>
+              <a:t>要保证</a:t>
+            </a:r>
+            <a:r>
+              <a:rPr lang="en-US" altLang="zh-CN" smtClean="0"/>
+              <a:t>token</a:t>
+            </a:r>
+            <a:r>
+              <a:rPr lang="zh-CN" altLang="en-US" smtClean="0"/>
+              <a:t>不为空时用户必定处于登录状态；</a:t>
+            </a:r>
+            <a:endParaRPr lang="en-US" altLang="zh-CN" smtClean="0"/>
+          </a:p>
+          <a:p>
+            <a:r>
+              <a:rPr lang="en-US" altLang="zh-CN" smtClean="0"/>
+              <a:t>3.</a:t>
+            </a:r>
+            <a:r>
+              <a:rPr lang="zh-CN" altLang="en-US" smtClean="0"/>
+              <a:t>要保证</a:t>
+            </a:r>
+            <a:r>
+              <a:rPr lang="zh-CN" altLang="en-US" smtClean="0"/>
+              <a:t>登录状态下</a:t>
+            </a:r>
+            <a:r>
+              <a:rPr lang="en-US" altLang="zh-CN" smtClean="0"/>
+              <a:t>token</a:t>
+            </a:r>
+            <a:r>
+              <a:rPr lang="zh-CN" altLang="en-US" smtClean="0"/>
+              <a:t>值不能被改变；</a:t>
+            </a:r>
+            <a:endParaRPr lang="en-US" altLang="zh-CN" smtClean="0"/>
+          </a:p>
+          <a:p>
+            <a:r>
+              <a:rPr lang="en-US" altLang="zh-CN" smtClean="0"/>
+              <a:t>4.</a:t>
+            </a:r>
+            <a:r>
+              <a:rPr lang="zh-CN" altLang="en-US" smtClean="0"/>
+              <a:t>以上保证了登录状态下</a:t>
+            </a:r>
+            <a:r>
+              <a:rPr lang="en-US" altLang="zh-CN" smtClean="0"/>
+              <a:t>token</a:t>
+            </a:r>
+            <a:r>
+              <a:rPr lang="zh-CN" altLang="en-US" smtClean="0"/>
+              <a:t>始终为用户的手机号，直接在数据库中查询手机号即可验证</a:t>
+            </a:r>
+            <a:r>
+              <a:rPr lang="en-US" altLang="zh-CN" smtClean="0"/>
+              <a:t>token</a:t>
+            </a:r>
             <a:endParaRPr lang="zh-CN" altLang="en-US"/>
           </a:p>
         </p:txBody>

--- a/App流程图和界面.pptx
+++ b/App流程图和界面.pptx
@@ -15,6 +15,7 @@
     <p:sldId id="264" r:id="rId9"/>
     <p:sldId id="265" r:id="rId10"/>
     <p:sldId id="263" r:id="rId11"/>
+    <p:sldId id="266" r:id="rId12"/>
   </p:sldIdLst>
   <p:sldSz cx="9144000" cy="6858000" type="screen4x3"/>
   <p:notesSz cx="6858000" cy="9144000"/>
@@ -298,7 +299,7 @@
             <a:fld id="{530820CF-B880-4189-942D-D702A7CBA730}" type="datetimeFigureOut">
               <a:rPr lang="zh-CN" altLang="en-US" smtClean="0"/>
               <a:pPr/>
-              <a:t>2017/11/15 Wednesday</a:t>
+              <a:t>2017/11/22</a:t>
             </a:fld>
             <a:endParaRPr lang="zh-CN" altLang="en-US"/>
           </a:p>
@@ -465,7 +466,7 @@
             <a:fld id="{530820CF-B880-4189-942D-D702A7CBA730}" type="datetimeFigureOut">
               <a:rPr lang="zh-CN" altLang="en-US" smtClean="0"/>
               <a:pPr/>
-              <a:t>2017/11/15 Wednesday</a:t>
+              <a:t>2017/11/22</a:t>
             </a:fld>
             <a:endParaRPr lang="zh-CN" altLang="en-US"/>
           </a:p>
@@ -642,7 +643,7 @@
             <a:fld id="{530820CF-B880-4189-942D-D702A7CBA730}" type="datetimeFigureOut">
               <a:rPr lang="zh-CN" altLang="en-US" smtClean="0"/>
               <a:pPr/>
-              <a:t>2017/11/15 Wednesday</a:t>
+              <a:t>2017/11/22</a:t>
             </a:fld>
             <a:endParaRPr lang="zh-CN" altLang="en-US"/>
           </a:p>
@@ -809,7 +810,7 @@
             <a:fld id="{530820CF-B880-4189-942D-D702A7CBA730}" type="datetimeFigureOut">
               <a:rPr lang="zh-CN" altLang="en-US" smtClean="0"/>
               <a:pPr/>
-              <a:t>2017/11/15 Wednesday</a:t>
+              <a:t>2017/11/22</a:t>
             </a:fld>
             <a:endParaRPr lang="zh-CN" altLang="en-US"/>
           </a:p>
@@ -1052,7 +1053,7 @@
             <a:fld id="{530820CF-B880-4189-942D-D702A7CBA730}" type="datetimeFigureOut">
               <a:rPr lang="zh-CN" altLang="en-US" smtClean="0"/>
               <a:pPr/>
-              <a:t>2017/11/15 Wednesday</a:t>
+              <a:t>2017/11/22</a:t>
             </a:fld>
             <a:endParaRPr lang="zh-CN" altLang="en-US"/>
           </a:p>
@@ -1337,7 +1338,7 @@
             <a:fld id="{530820CF-B880-4189-942D-D702A7CBA730}" type="datetimeFigureOut">
               <a:rPr lang="zh-CN" altLang="en-US" smtClean="0"/>
               <a:pPr/>
-              <a:t>2017/11/15 Wednesday</a:t>
+              <a:t>2017/11/22</a:t>
             </a:fld>
             <a:endParaRPr lang="zh-CN" altLang="en-US"/>
           </a:p>
@@ -1756,7 +1757,7 @@
             <a:fld id="{530820CF-B880-4189-942D-D702A7CBA730}" type="datetimeFigureOut">
               <a:rPr lang="zh-CN" altLang="en-US" smtClean="0"/>
               <a:pPr/>
-              <a:t>2017/11/15 Wednesday</a:t>
+              <a:t>2017/11/22</a:t>
             </a:fld>
             <a:endParaRPr lang="zh-CN" altLang="en-US"/>
           </a:p>
@@ -1871,7 +1872,7 @@
             <a:fld id="{530820CF-B880-4189-942D-D702A7CBA730}" type="datetimeFigureOut">
               <a:rPr lang="zh-CN" altLang="en-US" smtClean="0"/>
               <a:pPr/>
-              <a:t>2017/11/15 Wednesday</a:t>
+              <a:t>2017/11/22</a:t>
             </a:fld>
             <a:endParaRPr lang="zh-CN" altLang="en-US"/>
           </a:p>
@@ -1963,7 +1964,7 @@
             <a:fld id="{530820CF-B880-4189-942D-D702A7CBA730}" type="datetimeFigureOut">
               <a:rPr lang="zh-CN" altLang="en-US" smtClean="0"/>
               <a:pPr/>
-              <a:t>2017/11/15 Wednesday</a:t>
+              <a:t>2017/11/22</a:t>
             </a:fld>
             <a:endParaRPr lang="zh-CN" altLang="en-US"/>
           </a:p>
@@ -2237,7 +2238,7 @@
             <a:fld id="{530820CF-B880-4189-942D-D702A7CBA730}" type="datetimeFigureOut">
               <a:rPr lang="zh-CN" altLang="en-US" smtClean="0"/>
               <a:pPr/>
-              <a:t>2017/11/15 Wednesday</a:t>
+              <a:t>2017/11/22</a:t>
             </a:fld>
             <a:endParaRPr lang="zh-CN" altLang="en-US"/>
           </a:p>
@@ -2487,7 +2488,7 @@
             <a:fld id="{530820CF-B880-4189-942D-D702A7CBA730}" type="datetimeFigureOut">
               <a:rPr lang="zh-CN" altLang="en-US" smtClean="0"/>
               <a:pPr/>
-              <a:t>2017/11/15 Wednesday</a:t>
+              <a:t>2017/11/22</a:t>
             </a:fld>
             <a:endParaRPr lang="zh-CN" altLang="en-US"/>
           </a:p>
@@ -2697,7 +2698,7 @@
             <a:fld id="{530820CF-B880-4189-942D-D702A7CBA730}" type="datetimeFigureOut">
               <a:rPr lang="zh-CN" altLang="en-US" smtClean="0"/>
               <a:pPr/>
-              <a:t>2017/11/15 Wednesday</a:t>
+              <a:t>2017/11/22</a:t>
             </a:fld>
             <a:endParaRPr lang="zh-CN" altLang="en-US"/>
           </a:p>
@@ -4622,6 +4623,414 @@
 </p:sld>
 </file>
 
+<file path=ppt/slides/slide11.xml><?xml version="1.0" encoding="utf-8"?>
+<p:sld xmlns:a="http://schemas.openxmlformats.org/drawingml/2006/main" xmlns:r="http://schemas.openxmlformats.org/officeDocument/2006/relationships" xmlns:p="http://schemas.openxmlformats.org/presentationml/2006/main">
+  <p:cSld>
+    <p:spTree>
+      <p:nvGrpSpPr>
+        <p:cNvPr id="1" name=""/>
+        <p:cNvGrpSpPr/>
+        <p:nvPr/>
+      </p:nvGrpSpPr>
+      <p:grpSpPr>
+        <a:xfrm>
+          <a:off x="0" y="0"/>
+          <a:ext cx="0" cy="0"/>
+          <a:chOff x="0" y="0"/>
+          <a:chExt cx="0" cy="0"/>
+        </a:xfrm>
+      </p:grpSpPr>
+      <p:sp>
+        <p:nvSpPr>
+          <p:cNvPr id="13" name="TextBox 12"/>
+          <p:cNvSpPr txBox="1"/>
+          <p:nvPr/>
+        </p:nvSpPr>
+        <p:spPr>
+          <a:xfrm>
+            <a:off x="179512" y="260648"/>
+            <a:ext cx="1512168" cy="369332"/>
+          </a:xfrm>
+          <a:prstGeom prst="rect">
+            <a:avLst/>
+          </a:prstGeom>
+          <a:noFill/>
+        </p:spPr>
+        <p:txBody>
+          <a:bodyPr wrap="square" rtlCol="0">
+            <a:spAutoFit/>
+          </a:bodyPr>
+          <a:lstStyle/>
+          <a:p>
+            <a:r>
+              <a:rPr lang="zh-CN" altLang="en-US" dirty="0" smtClean="0">
+                <a:latin typeface="黑体" pitchFamily="49" charset="-122"/>
+                <a:ea typeface="黑体" pitchFamily="49" charset="-122"/>
+              </a:rPr>
+              <a:t>位</a:t>
+            </a:r>
+            <a:r>
+              <a:rPr lang="zh-CN" altLang="en-US" dirty="0" smtClean="0">
+                <a:latin typeface="黑体" pitchFamily="49" charset="-122"/>
+                <a:ea typeface="黑体" pitchFamily="49" charset="-122"/>
+              </a:rPr>
+              <a:t>置定位</a:t>
+            </a:r>
+            <a:endParaRPr lang="zh-CN" altLang="en-US" dirty="0">
+              <a:latin typeface="黑体" pitchFamily="49" charset="-122"/>
+              <a:ea typeface="黑体" pitchFamily="49" charset="-122"/>
+            </a:endParaRPr>
+          </a:p>
+        </p:txBody>
+      </p:sp>
+      <p:sp>
+        <p:nvSpPr>
+          <p:cNvPr id="17" name="矩形 16"/>
+          <p:cNvSpPr/>
+          <p:nvPr/>
+        </p:nvSpPr>
+        <p:spPr>
+          <a:xfrm>
+            <a:off x="1835696" y="548680"/>
+            <a:ext cx="3528392" cy="5904656"/>
+          </a:xfrm>
+          <a:prstGeom prst="rect">
+            <a:avLst/>
+          </a:prstGeom>
+        </p:spPr>
+        <p:style>
+          <a:lnRef idx="2">
+            <a:schemeClr val="dk1"/>
+          </a:lnRef>
+          <a:fillRef idx="1">
+            <a:schemeClr val="lt1"/>
+          </a:fillRef>
+          <a:effectRef idx="0">
+            <a:schemeClr val="dk1"/>
+          </a:effectRef>
+          <a:fontRef idx="minor">
+            <a:schemeClr val="dk1"/>
+          </a:fontRef>
+        </p:style>
+        <p:txBody>
+          <a:bodyPr rtlCol="0" anchor="ctr"/>
+          <a:lstStyle/>
+          <a:p>
+            <a:pPr algn="ctr"/>
+            <a:endParaRPr lang="zh-CN" altLang="en-US"/>
+          </a:p>
+        </p:txBody>
+      </p:sp>
+      <p:cxnSp>
+        <p:nvCxnSpPr>
+          <p:cNvPr id="20" name="直接连接符 19"/>
+          <p:cNvCxnSpPr/>
+          <p:nvPr/>
+        </p:nvCxnSpPr>
+        <p:spPr>
+          <a:xfrm>
+            <a:off x="1835696" y="1268760"/>
+            <a:ext cx="3528392" cy="0"/>
+          </a:xfrm>
+          <a:prstGeom prst="line">
+            <a:avLst/>
+          </a:prstGeom>
+          <a:ln w="28575"/>
+          <a:effectLst/>
+        </p:spPr>
+        <p:style>
+          <a:lnRef idx="1">
+            <a:schemeClr val="dk1"/>
+          </a:lnRef>
+          <a:fillRef idx="0">
+            <a:schemeClr val="dk1"/>
+          </a:fillRef>
+          <a:effectRef idx="0">
+            <a:schemeClr val="dk1"/>
+          </a:effectRef>
+          <a:fontRef idx="minor">
+            <a:schemeClr val="tx1"/>
+          </a:fontRef>
+        </p:style>
+      </p:cxnSp>
+      <p:sp>
+        <p:nvSpPr>
+          <p:cNvPr id="24" name="左箭头 23"/>
+          <p:cNvSpPr/>
+          <p:nvPr/>
+        </p:nvSpPr>
+        <p:spPr>
+          <a:xfrm>
+            <a:off x="1979712" y="836712"/>
+            <a:ext cx="288032" cy="216024"/>
+          </a:xfrm>
+          <a:prstGeom prst="leftArrow">
+            <a:avLst/>
+          </a:prstGeom>
+        </p:spPr>
+        <p:style>
+          <a:lnRef idx="2">
+            <a:schemeClr val="dk1">
+              <a:shade val="50000"/>
+            </a:schemeClr>
+          </a:lnRef>
+          <a:fillRef idx="1">
+            <a:schemeClr val="dk1"/>
+          </a:fillRef>
+          <a:effectRef idx="0">
+            <a:schemeClr val="dk1"/>
+          </a:effectRef>
+          <a:fontRef idx="minor">
+            <a:schemeClr val="lt1"/>
+          </a:fontRef>
+        </p:style>
+        <p:txBody>
+          <a:bodyPr rtlCol="0" anchor="ctr"/>
+          <a:lstStyle/>
+          <a:p>
+            <a:pPr algn="ctr"/>
+            <a:endParaRPr lang="zh-CN" altLang="en-US"/>
+          </a:p>
+        </p:txBody>
+      </p:sp>
+      <p:sp>
+        <p:nvSpPr>
+          <p:cNvPr id="27" name="矩形 26"/>
+          <p:cNvSpPr/>
+          <p:nvPr/>
+        </p:nvSpPr>
+        <p:spPr>
+          <a:xfrm>
+            <a:off x="2195736" y="5733256"/>
+            <a:ext cx="2880320" cy="360040"/>
+          </a:xfrm>
+          <a:prstGeom prst="rect">
+            <a:avLst/>
+          </a:prstGeom>
+        </p:spPr>
+        <p:style>
+          <a:lnRef idx="2">
+            <a:schemeClr val="dk1"/>
+          </a:lnRef>
+          <a:fillRef idx="1">
+            <a:schemeClr val="lt1"/>
+          </a:fillRef>
+          <a:effectRef idx="0">
+            <a:schemeClr val="dk1"/>
+          </a:effectRef>
+          <a:fontRef idx="minor">
+            <a:schemeClr val="dk1"/>
+          </a:fontRef>
+        </p:style>
+        <p:txBody>
+          <a:bodyPr rtlCol="0" anchor="ctr"/>
+          <a:lstStyle/>
+          <a:p>
+            <a:pPr algn="ctr"/>
+            <a:r>
+              <a:rPr lang="zh-CN" altLang="en-US" dirty="0" smtClean="0">
+                <a:latin typeface="黑体" pitchFamily="49" charset="-122"/>
+                <a:ea typeface="黑体" pitchFamily="49" charset="-122"/>
+              </a:rPr>
+              <a:t>确定</a:t>
+            </a:r>
+            <a:endParaRPr lang="zh-CN" altLang="en-US" dirty="0">
+              <a:latin typeface="黑体" pitchFamily="49" charset="-122"/>
+              <a:ea typeface="黑体" pitchFamily="49" charset="-122"/>
+            </a:endParaRPr>
+          </a:p>
+        </p:txBody>
+      </p:sp>
+      <p:cxnSp>
+        <p:nvCxnSpPr>
+          <p:cNvPr id="40" name="直接连接符 39"/>
+          <p:cNvCxnSpPr/>
+          <p:nvPr/>
+        </p:nvCxnSpPr>
+        <p:spPr>
+          <a:xfrm>
+            <a:off x="1835696" y="4581128"/>
+            <a:ext cx="3528392" cy="0"/>
+          </a:xfrm>
+          <a:prstGeom prst="line">
+            <a:avLst/>
+          </a:prstGeom>
+          <a:ln w="28575">
+            <a:solidFill>
+              <a:schemeClr val="bg1">
+                <a:lumMod val="85000"/>
+              </a:schemeClr>
+            </a:solidFill>
+          </a:ln>
+          <a:effectLst/>
+        </p:spPr>
+        <p:style>
+          <a:lnRef idx="1">
+            <a:schemeClr val="dk1"/>
+          </a:lnRef>
+          <a:fillRef idx="0">
+            <a:schemeClr val="dk1"/>
+          </a:fillRef>
+          <a:effectRef idx="0">
+            <a:schemeClr val="dk1"/>
+          </a:effectRef>
+          <a:fontRef idx="minor">
+            <a:schemeClr val="tx1"/>
+          </a:fontRef>
+        </p:style>
+      </p:cxnSp>
+      <p:sp>
+        <p:nvSpPr>
+          <p:cNvPr id="41" name="TextBox 40"/>
+          <p:cNvSpPr txBox="1"/>
+          <p:nvPr/>
+        </p:nvSpPr>
+        <p:spPr>
+          <a:xfrm>
+            <a:off x="2915816" y="764704"/>
+            <a:ext cx="1512168" cy="338554"/>
+          </a:xfrm>
+          <a:prstGeom prst="rect">
+            <a:avLst/>
+          </a:prstGeom>
+          <a:noFill/>
+        </p:spPr>
+        <p:txBody>
+          <a:bodyPr wrap="square" rtlCol="0">
+            <a:spAutoFit/>
+          </a:bodyPr>
+          <a:lstStyle/>
+          <a:p>
+            <a:r>
+              <a:rPr lang="zh-CN" altLang="en-US" sz="1600" dirty="0" smtClean="0">
+                <a:latin typeface="黑体" pitchFamily="49" charset="-122"/>
+                <a:ea typeface="黑体" pitchFamily="49" charset="-122"/>
+              </a:rPr>
+              <a:t>学校位置定位</a:t>
+            </a:r>
+            <a:endParaRPr lang="zh-CN" altLang="en-US" sz="1600" dirty="0">
+              <a:latin typeface="黑体" pitchFamily="49" charset="-122"/>
+              <a:ea typeface="黑体" pitchFamily="49" charset="-122"/>
+            </a:endParaRPr>
+          </a:p>
+        </p:txBody>
+      </p:sp>
+      <p:sp>
+        <p:nvSpPr>
+          <p:cNvPr id="33" name="TextBox 32"/>
+          <p:cNvSpPr txBox="1"/>
+          <p:nvPr/>
+        </p:nvSpPr>
+        <p:spPr>
+          <a:xfrm>
+            <a:off x="2915816" y="2636912"/>
+            <a:ext cx="1512168" cy="338554"/>
+          </a:xfrm>
+          <a:prstGeom prst="rect">
+            <a:avLst/>
+          </a:prstGeom>
+          <a:noFill/>
+        </p:spPr>
+        <p:txBody>
+          <a:bodyPr wrap="square" rtlCol="0">
+            <a:spAutoFit/>
+          </a:bodyPr>
+          <a:lstStyle/>
+          <a:p>
+            <a:r>
+              <a:rPr lang="zh-CN" altLang="en-US" sz="1600" dirty="0" smtClean="0">
+                <a:latin typeface="黑体" pitchFamily="49" charset="-122"/>
+                <a:ea typeface="黑体" pitchFamily="49" charset="-122"/>
+              </a:rPr>
+              <a:t>（百度地图）</a:t>
+            </a:r>
+            <a:endParaRPr lang="zh-CN" altLang="en-US" sz="1600" dirty="0">
+              <a:latin typeface="黑体" pitchFamily="49" charset="-122"/>
+              <a:ea typeface="黑体" pitchFamily="49" charset="-122"/>
+            </a:endParaRPr>
+          </a:p>
+        </p:txBody>
+      </p:sp>
+      <p:sp>
+        <p:nvSpPr>
+          <p:cNvPr id="43" name="TextBox 42"/>
+          <p:cNvSpPr txBox="1"/>
+          <p:nvPr/>
+        </p:nvSpPr>
+        <p:spPr>
+          <a:xfrm>
+            <a:off x="2195736" y="4725144"/>
+            <a:ext cx="2160240" cy="338554"/>
+          </a:xfrm>
+          <a:prstGeom prst="rect">
+            <a:avLst/>
+          </a:prstGeom>
+          <a:noFill/>
+        </p:spPr>
+        <p:txBody>
+          <a:bodyPr wrap="square" rtlCol="0">
+            <a:spAutoFit/>
+          </a:bodyPr>
+          <a:lstStyle/>
+          <a:p>
+            <a:r>
+              <a:rPr lang="zh-CN" altLang="en-US" sz="1600" dirty="0" smtClean="0">
+                <a:latin typeface="黑体" pitchFamily="49" charset="-122"/>
+                <a:ea typeface="黑体" pitchFamily="49" charset="-122"/>
+              </a:rPr>
+              <a:t>您当前的位置是：</a:t>
+            </a:r>
+            <a:endParaRPr lang="zh-CN" altLang="en-US" sz="1600" dirty="0">
+              <a:latin typeface="黑体" pitchFamily="49" charset="-122"/>
+              <a:ea typeface="黑体" pitchFamily="49" charset="-122"/>
+            </a:endParaRPr>
+          </a:p>
+        </p:txBody>
+      </p:sp>
+      <p:sp>
+        <p:nvSpPr>
+          <p:cNvPr id="44" name="TextBox 43"/>
+          <p:cNvSpPr txBox="1"/>
+          <p:nvPr/>
+        </p:nvSpPr>
+        <p:spPr>
+          <a:xfrm>
+            <a:off x="2483768" y="5157192"/>
+            <a:ext cx="2160240" cy="338554"/>
+          </a:xfrm>
+          <a:prstGeom prst="rect">
+            <a:avLst/>
+          </a:prstGeom>
+          <a:noFill/>
+        </p:spPr>
+        <p:txBody>
+          <a:bodyPr wrap="square" rtlCol="0">
+            <a:spAutoFit/>
+          </a:bodyPr>
+          <a:lstStyle/>
+          <a:p>
+            <a:r>
+              <a:rPr lang="zh-CN" altLang="en-US" sz="1600" dirty="0" smtClean="0">
+                <a:latin typeface="黑体" pitchFamily="49" charset="-122"/>
+                <a:ea typeface="黑体" pitchFamily="49" charset="-122"/>
+              </a:rPr>
+              <a:t>南京信息工程大学</a:t>
+            </a:r>
+            <a:endParaRPr lang="zh-CN" altLang="en-US" sz="1600" dirty="0">
+              <a:latin typeface="黑体" pitchFamily="49" charset="-122"/>
+              <a:ea typeface="黑体" pitchFamily="49" charset="-122"/>
+            </a:endParaRPr>
+          </a:p>
+        </p:txBody>
+      </p:sp>
+    </p:spTree>
+  </p:cSld>
+  <p:clrMapOvr>
+    <a:masterClrMapping/>
+  </p:clrMapOvr>
+</p:sld>
+</file>
+
 <file path=ppt/slides/slide2.xml><?xml version="1.0" encoding="utf-8"?>
 <p:sld xmlns:a="http://schemas.openxmlformats.org/drawingml/2006/main" xmlns:r="http://schemas.openxmlformats.org/officeDocument/2006/relationships" xmlns:p="http://schemas.openxmlformats.org/presentationml/2006/main">
   <p:cSld>
@@ -11549,18 +11958,7 @@
                 <a:ea typeface="黑体" pitchFamily="49" charset="-122"/>
                 <a:cs typeface="Times New Roman" pitchFamily="18" charset="0"/>
               </a:rPr>
-              <a:t>手机</a:t>
-            </a:r>
-            <a:r>
-              <a:rPr lang="zh-CN" altLang="en-US" smtClean="0">
-                <a:solidFill>
-                  <a:schemeClr val="tx1"/>
-                </a:solidFill>
-                <a:latin typeface="黑体" pitchFamily="49" charset="-122"/>
-                <a:ea typeface="黑体" pitchFamily="49" charset="-122"/>
-                <a:cs typeface="Times New Roman" pitchFamily="18" charset="0"/>
-              </a:rPr>
-              <a:t>号</a:t>
+              <a:t>手机号</a:t>
             </a:r>
             <a:endParaRPr lang="zh-CN" altLang="en-US">
               <a:solidFill>
@@ -12299,14 +12697,7 @@
                 <a:latin typeface="黑体" pitchFamily="49" charset="-122"/>
                 <a:ea typeface="黑体" pitchFamily="49" charset="-122"/>
               </a:rPr>
-              <a:t>已登</a:t>
-            </a:r>
-            <a:r>
-              <a:rPr lang="zh-CN" altLang="en-US" smtClean="0">
-                <a:latin typeface="黑体" pitchFamily="49" charset="-122"/>
-                <a:ea typeface="黑体" pitchFamily="49" charset="-122"/>
-              </a:rPr>
-              <a:t>录界面</a:t>
+              <a:t>已登录界面</a:t>
             </a:r>
             <a:endParaRPr lang="zh-CN" altLang="en-US">
               <a:latin typeface="黑体" pitchFamily="49" charset="-122"/>
@@ -12654,11 +13045,7 @@
             </a:r>
             <a:r>
               <a:rPr lang="zh-CN" altLang="en-US" smtClean="0"/>
-              <a:t>要保证</a:t>
-            </a:r>
-            <a:r>
-              <a:rPr lang="zh-CN" altLang="en-US" smtClean="0"/>
-              <a:t>登录状态下</a:t>
+              <a:t>要保证登录状态下</a:t>
             </a:r>
             <a:r>
               <a:rPr lang="en-US" altLang="zh-CN" smtClean="0"/>

--- a/App流程图和界面.pptx
+++ b/App流程图和界面.pptx
@@ -16,6 +16,7 @@
     <p:sldId id="265" r:id="rId10"/>
     <p:sldId id="263" r:id="rId11"/>
     <p:sldId id="266" r:id="rId12"/>
+    <p:sldId id="267" r:id="rId13"/>
   </p:sldIdLst>
   <p:sldSz cx="9144000" cy="6858000" type="screen4x3"/>
   <p:notesSz cx="6858000" cy="9144000"/>
@@ -4667,14 +4668,7 @@
                 <a:latin typeface="黑体" pitchFamily="49" charset="-122"/>
                 <a:ea typeface="黑体" pitchFamily="49" charset="-122"/>
               </a:rPr>
-              <a:t>位</a:t>
-            </a:r>
-            <a:r>
-              <a:rPr lang="zh-CN" altLang="en-US" dirty="0" smtClean="0">
-                <a:latin typeface="黑体" pitchFamily="49" charset="-122"/>
-                <a:ea typeface="黑体" pitchFamily="49" charset="-122"/>
-              </a:rPr>
-              <a:t>置定位</a:t>
+              <a:t>位置定位</a:t>
             </a:r>
             <a:endParaRPr lang="zh-CN" altLang="en-US" dirty="0">
               <a:latin typeface="黑体" pitchFamily="49" charset="-122"/>
@@ -5017,6 +5011,460 @@
               <a:t>南京信息工程大学</a:t>
             </a:r>
             <a:endParaRPr lang="zh-CN" altLang="en-US" sz="1600" dirty="0">
+              <a:latin typeface="黑体" pitchFamily="49" charset="-122"/>
+              <a:ea typeface="黑体" pitchFamily="49" charset="-122"/>
+            </a:endParaRPr>
+          </a:p>
+        </p:txBody>
+      </p:sp>
+    </p:spTree>
+  </p:cSld>
+  <p:clrMapOvr>
+    <a:masterClrMapping/>
+  </p:clrMapOvr>
+</p:sld>
+</file>
+
+<file path=ppt/slides/slide12.xml><?xml version="1.0" encoding="utf-8"?>
+<p:sld xmlns:a="http://schemas.openxmlformats.org/drawingml/2006/main" xmlns:r="http://schemas.openxmlformats.org/officeDocument/2006/relationships" xmlns:p="http://schemas.openxmlformats.org/presentationml/2006/main">
+  <p:cSld>
+    <p:spTree>
+      <p:nvGrpSpPr>
+        <p:cNvPr id="1" name=""/>
+        <p:cNvGrpSpPr/>
+        <p:nvPr/>
+      </p:nvGrpSpPr>
+      <p:grpSpPr>
+        <a:xfrm>
+          <a:off x="0" y="0"/>
+          <a:ext cx="0" cy="0"/>
+          <a:chOff x="0" y="0"/>
+          <a:chExt cx="0" cy="0"/>
+        </a:xfrm>
+      </p:grpSpPr>
+      <p:sp>
+        <p:nvSpPr>
+          <p:cNvPr id="13" name="TextBox 12"/>
+          <p:cNvSpPr txBox="1"/>
+          <p:nvPr/>
+        </p:nvSpPr>
+        <p:spPr>
+          <a:xfrm>
+            <a:off x="179512" y="260648"/>
+            <a:ext cx="1512168" cy="369332"/>
+          </a:xfrm>
+          <a:prstGeom prst="rect">
+            <a:avLst/>
+          </a:prstGeom>
+          <a:noFill/>
+        </p:spPr>
+        <p:txBody>
+          <a:bodyPr wrap="square" rtlCol="0">
+            <a:spAutoFit/>
+          </a:bodyPr>
+          <a:lstStyle/>
+          <a:p>
+            <a:r>
+              <a:rPr lang="zh-CN" altLang="en-US" dirty="0" smtClean="0">
+                <a:latin typeface="黑体" pitchFamily="49" charset="-122"/>
+                <a:ea typeface="黑体" pitchFamily="49" charset="-122"/>
+              </a:rPr>
+              <a:t>位置定位</a:t>
+            </a:r>
+            <a:endParaRPr lang="zh-CN" altLang="en-US" dirty="0">
+              <a:latin typeface="黑体" pitchFamily="49" charset="-122"/>
+              <a:ea typeface="黑体" pitchFamily="49" charset="-122"/>
+            </a:endParaRPr>
+          </a:p>
+        </p:txBody>
+      </p:sp>
+      <p:sp>
+        <p:nvSpPr>
+          <p:cNvPr id="17" name="矩形 16"/>
+          <p:cNvSpPr/>
+          <p:nvPr/>
+        </p:nvSpPr>
+        <p:spPr>
+          <a:xfrm>
+            <a:off x="1835696" y="548680"/>
+            <a:ext cx="3528392" cy="5904656"/>
+          </a:xfrm>
+          <a:prstGeom prst="rect">
+            <a:avLst/>
+          </a:prstGeom>
+        </p:spPr>
+        <p:style>
+          <a:lnRef idx="2">
+            <a:schemeClr val="dk1"/>
+          </a:lnRef>
+          <a:fillRef idx="1">
+            <a:schemeClr val="lt1"/>
+          </a:fillRef>
+          <a:effectRef idx="0">
+            <a:schemeClr val="dk1"/>
+          </a:effectRef>
+          <a:fontRef idx="minor">
+            <a:schemeClr val="dk1"/>
+          </a:fontRef>
+        </p:style>
+        <p:txBody>
+          <a:bodyPr rtlCol="0" anchor="ctr"/>
+          <a:lstStyle/>
+          <a:p>
+            <a:pPr algn="ctr"/>
+            <a:endParaRPr lang="zh-CN" altLang="en-US"/>
+          </a:p>
+        </p:txBody>
+      </p:sp>
+      <p:cxnSp>
+        <p:nvCxnSpPr>
+          <p:cNvPr id="20" name="直接连接符 19"/>
+          <p:cNvCxnSpPr/>
+          <p:nvPr/>
+        </p:nvCxnSpPr>
+        <p:spPr>
+          <a:xfrm>
+            <a:off x="1835696" y="1268760"/>
+            <a:ext cx="3528392" cy="0"/>
+          </a:xfrm>
+          <a:prstGeom prst="line">
+            <a:avLst/>
+          </a:prstGeom>
+          <a:ln w="28575"/>
+          <a:effectLst/>
+        </p:spPr>
+        <p:style>
+          <a:lnRef idx="1">
+            <a:schemeClr val="dk1"/>
+          </a:lnRef>
+          <a:fillRef idx="0">
+            <a:schemeClr val="dk1"/>
+          </a:fillRef>
+          <a:effectRef idx="0">
+            <a:schemeClr val="dk1"/>
+          </a:effectRef>
+          <a:fontRef idx="minor">
+            <a:schemeClr val="tx1"/>
+          </a:fontRef>
+        </p:style>
+      </p:cxnSp>
+      <p:sp>
+        <p:nvSpPr>
+          <p:cNvPr id="24" name="左箭头 23"/>
+          <p:cNvSpPr/>
+          <p:nvPr/>
+        </p:nvSpPr>
+        <p:spPr>
+          <a:xfrm>
+            <a:off x="1979712" y="836712"/>
+            <a:ext cx="288032" cy="216024"/>
+          </a:xfrm>
+          <a:prstGeom prst="leftArrow">
+            <a:avLst/>
+          </a:prstGeom>
+        </p:spPr>
+        <p:style>
+          <a:lnRef idx="2">
+            <a:schemeClr val="dk1">
+              <a:shade val="50000"/>
+            </a:schemeClr>
+          </a:lnRef>
+          <a:fillRef idx="1">
+            <a:schemeClr val="dk1"/>
+          </a:fillRef>
+          <a:effectRef idx="0">
+            <a:schemeClr val="dk1"/>
+          </a:effectRef>
+          <a:fontRef idx="minor">
+            <a:schemeClr val="lt1"/>
+          </a:fontRef>
+        </p:style>
+        <p:txBody>
+          <a:bodyPr rtlCol="0" anchor="ctr"/>
+          <a:lstStyle/>
+          <a:p>
+            <a:pPr algn="ctr"/>
+            <a:endParaRPr lang="zh-CN" altLang="en-US"/>
+          </a:p>
+        </p:txBody>
+      </p:sp>
+      <p:sp>
+        <p:nvSpPr>
+          <p:cNvPr id="27" name="矩形 26"/>
+          <p:cNvSpPr/>
+          <p:nvPr/>
+        </p:nvSpPr>
+        <p:spPr>
+          <a:xfrm>
+            <a:off x="2195736" y="5733256"/>
+            <a:ext cx="2880320" cy="360040"/>
+          </a:xfrm>
+          <a:prstGeom prst="rect">
+            <a:avLst/>
+          </a:prstGeom>
+        </p:spPr>
+        <p:style>
+          <a:lnRef idx="2">
+            <a:schemeClr val="dk1"/>
+          </a:lnRef>
+          <a:fillRef idx="1">
+            <a:schemeClr val="lt1"/>
+          </a:fillRef>
+          <a:effectRef idx="0">
+            <a:schemeClr val="dk1"/>
+          </a:effectRef>
+          <a:fontRef idx="minor">
+            <a:schemeClr val="dk1"/>
+          </a:fontRef>
+        </p:style>
+        <p:txBody>
+          <a:bodyPr rtlCol="0" anchor="ctr"/>
+          <a:lstStyle/>
+          <a:p>
+            <a:pPr algn="ctr"/>
+            <a:r>
+              <a:rPr lang="zh-CN" altLang="en-US" dirty="0" smtClean="0">
+                <a:latin typeface="黑体" pitchFamily="49" charset="-122"/>
+                <a:ea typeface="黑体" pitchFamily="49" charset="-122"/>
+              </a:rPr>
+              <a:t>确定</a:t>
+            </a:r>
+            <a:endParaRPr lang="zh-CN" altLang="en-US" dirty="0">
+              <a:latin typeface="黑体" pitchFamily="49" charset="-122"/>
+              <a:ea typeface="黑体" pitchFamily="49" charset="-122"/>
+            </a:endParaRPr>
+          </a:p>
+        </p:txBody>
+      </p:sp>
+      <p:cxnSp>
+        <p:nvCxnSpPr>
+          <p:cNvPr id="40" name="直接连接符 39"/>
+          <p:cNvCxnSpPr/>
+          <p:nvPr/>
+        </p:nvCxnSpPr>
+        <p:spPr>
+          <a:xfrm>
+            <a:off x="1835696" y="2348880"/>
+            <a:ext cx="3528392" cy="0"/>
+          </a:xfrm>
+          <a:prstGeom prst="line">
+            <a:avLst/>
+          </a:prstGeom>
+          <a:ln w="28575">
+            <a:solidFill>
+              <a:schemeClr val="bg1">
+                <a:lumMod val="85000"/>
+              </a:schemeClr>
+            </a:solidFill>
+          </a:ln>
+          <a:effectLst/>
+        </p:spPr>
+        <p:style>
+          <a:lnRef idx="1">
+            <a:schemeClr val="dk1"/>
+          </a:lnRef>
+          <a:fillRef idx="0">
+            <a:schemeClr val="dk1"/>
+          </a:fillRef>
+          <a:effectRef idx="0">
+            <a:schemeClr val="dk1"/>
+          </a:effectRef>
+          <a:fontRef idx="minor">
+            <a:schemeClr val="tx1"/>
+          </a:fontRef>
+        </p:style>
+      </p:cxnSp>
+      <p:sp>
+        <p:nvSpPr>
+          <p:cNvPr id="41" name="TextBox 40"/>
+          <p:cNvSpPr txBox="1"/>
+          <p:nvPr/>
+        </p:nvSpPr>
+        <p:spPr>
+          <a:xfrm>
+            <a:off x="2915816" y="764704"/>
+            <a:ext cx="1512168" cy="338554"/>
+          </a:xfrm>
+          <a:prstGeom prst="rect">
+            <a:avLst/>
+          </a:prstGeom>
+          <a:noFill/>
+        </p:spPr>
+        <p:txBody>
+          <a:bodyPr wrap="square" rtlCol="0">
+            <a:spAutoFit/>
+          </a:bodyPr>
+          <a:lstStyle/>
+          <a:p>
+            <a:r>
+              <a:rPr lang="zh-CN" altLang="en-US" sz="1600" dirty="0" smtClean="0">
+                <a:latin typeface="黑体" pitchFamily="49" charset="-122"/>
+                <a:ea typeface="黑体" pitchFamily="49" charset="-122"/>
+              </a:rPr>
+              <a:t>学校位置定位</a:t>
+            </a:r>
+            <a:endParaRPr lang="zh-CN" altLang="en-US" sz="1600" dirty="0">
+              <a:latin typeface="黑体" pitchFamily="49" charset="-122"/>
+              <a:ea typeface="黑体" pitchFamily="49" charset="-122"/>
+            </a:endParaRPr>
+          </a:p>
+        </p:txBody>
+      </p:sp>
+      <p:sp>
+        <p:nvSpPr>
+          <p:cNvPr id="43" name="TextBox 42"/>
+          <p:cNvSpPr txBox="1"/>
+          <p:nvPr/>
+        </p:nvSpPr>
+        <p:spPr>
+          <a:xfrm>
+            <a:off x="2051720" y="1412776"/>
+            <a:ext cx="2160240" cy="338554"/>
+          </a:xfrm>
+          <a:prstGeom prst="rect">
+            <a:avLst/>
+          </a:prstGeom>
+          <a:noFill/>
+        </p:spPr>
+        <p:txBody>
+          <a:bodyPr wrap="square" rtlCol="0">
+            <a:spAutoFit/>
+          </a:bodyPr>
+          <a:lstStyle/>
+          <a:p>
+            <a:r>
+              <a:rPr lang="zh-CN" altLang="en-US" sz="1600" dirty="0" smtClean="0">
+                <a:latin typeface="黑体" pitchFamily="49" charset="-122"/>
+                <a:ea typeface="黑体" pitchFamily="49" charset="-122"/>
+              </a:rPr>
+              <a:t>您当前的位置是：</a:t>
+            </a:r>
+            <a:endParaRPr lang="zh-CN" altLang="en-US" sz="1600" dirty="0">
+              <a:latin typeface="黑体" pitchFamily="49" charset="-122"/>
+              <a:ea typeface="黑体" pitchFamily="49" charset="-122"/>
+            </a:endParaRPr>
+          </a:p>
+        </p:txBody>
+      </p:sp>
+      <p:sp>
+        <p:nvSpPr>
+          <p:cNvPr id="44" name="TextBox 43"/>
+          <p:cNvSpPr txBox="1"/>
+          <p:nvPr/>
+        </p:nvSpPr>
+        <p:spPr>
+          <a:xfrm>
+            <a:off x="3779912" y="1412776"/>
+            <a:ext cx="1080120" cy="338554"/>
+          </a:xfrm>
+          <a:prstGeom prst="rect">
+            <a:avLst/>
+          </a:prstGeom>
+          <a:noFill/>
+        </p:spPr>
+        <p:txBody>
+          <a:bodyPr wrap="square" rtlCol="0">
+            <a:spAutoFit/>
+          </a:bodyPr>
+          <a:lstStyle/>
+          <a:p>
+            <a:r>
+              <a:rPr lang="zh-CN" altLang="en-US" sz="1600" dirty="0" smtClean="0">
+                <a:latin typeface="黑体" pitchFamily="49" charset="-122"/>
+                <a:ea typeface="黑体" pitchFamily="49" charset="-122"/>
+              </a:rPr>
+              <a:t>浦口区</a:t>
+            </a:r>
+            <a:endParaRPr lang="zh-CN" altLang="en-US" sz="1600" dirty="0">
+              <a:latin typeface="黑体" pitchFamily="49" charset="-122"/>
+              <a:ea typeface="黑体" pitchFamily="49" charset="-122"/>
+            </a:endParaRPr>
+          </a:p>
+        </p:txBody>
+      </p:sp>
+      <p:sp>
+        <p:nvSpPr>
+          <p:cNvPr id="12" name="矩形 11"/>
+          <p:cNvSpPr/>
+          <p:nvPr/>
+        </p:nvSpPr>
+        <p:spPr>
+          <a:xfrm>
+            <a:off x="2195736" y="2708920"/>
+            <a:ext cx="2880320" cy="2736304"/>
+          </a:xfrm>
+          <a:prstGeom prst="rect">
+            <a:avLst/>
+          </a:prstGeom>
+        </p:spPr>
+        <p:style>
+          <a:lnRef idx="2">
+            <a:schemeClr val="dk1"/>
+          </a:lnRef>
+          <a:fillRef idx="1">
+            <a:schemeClr val="lt1"/>
+          </a:fillRef>
+          <a:effectRef idx="0">
+            <a:schemeClr val="dk1"/>
+          </a:effectRef>
+          <a:fontRef idx="minor">
+            <a:schemeClr val="dk1"/>
+          </a:fontRef>
+        </p:style>
+        <p:txBody>
+          <a:bodyPr rtlCol="0" anchor="ctr"/>
+          <a:lstStyle/>
+          <a:p>
+            <a:pPr algn="ctr"/>
+            <a:r>
+              <a:rPr lang="zh-CN" altLang="en-US" dirty="0" smtClean="0"/>
+              <a:t>学</a:t>
+            </a:r>
+            <a:r>
+              <a:rPr lang="zh-CN" altLang="en-US" dirty="0" smtClean="0"/>
+              <a:t>校列表</a:t>
+            </a:r>
+            <a:endParaRPr lang="zh-CN" altLang="en-US" dirty="0"/>
+          </a:p>
+        </p:txBody>
+      </p:sp>
+      <p:sp>
+        <p:nvSpPr>
+          <p:cNvPr id="14" name="TextBox 13"/>
+          <p:cNvSpPr txBox="1"/>
+          <p:nvPr/>
+        </p:nvSpPr>
+        <p:spPr>
+          <a:xfrm>
+            <a:off x="2483768" y="1844824"/>
+            <a:ext cx="2232248" cy="369332"/>
+          </a:xfrm>
+          <a:prstGeom prst="rect">
+            <a:avLst/>
+          </a:prstGeom>
+          <a:noFill/>
+        </p:spPr>
+        <p:txBody>
+          <a:bodyPr wrap="square" rtlCol="0">
+            <a:spAutoFit/>
+          </a:bodyPr>
+          <a:lstStyle/>
+          <a:p>
+            <a:r>
+              <a:rPr lang="zh-CN" altLang="en-US" dirty="0" smtClean="0">
+                <a:latin typeface="黑体" pitchFamily="49" charset="-122"/>
+                <a:ea typeface="黑体" pitchFamily="49" charset="-122"/>
+              </a:rPr>
+              <a:t>南</a:t>
+            </a:r>
+            <a:r>
+              <a:rPr lang="zh-CN" altLang="en-US" dirty="0" smtClean="0">
+                <a:latin typeface="黑体" pitchFamily="49" charset="-122"/>
+                <a:ea typeface="黑体" pitchFamily="49" charset="-122"/>
+              </a:rPr>
+              <a:t>京信息工程大学</a:t>
+            </a:r>
+            <a:endParaRPr lang="zh-CN" altLang="en-US" dirty="0">
               <a:latin typeface="黑体" pitchFamily="49" charset="-122"/>
               <a:ea typeface="黑体" pitchFamily="49" charset="-122"/>
             </a:endParaRPr>
